--- a/HTML.pptx
+++ b/HTML.pptx
@@ -17,6 +17,10 @@
     <p:sldId id="263" r:id="rId11"/>
     <p:sldId id="262" r:id="rId12"/>
     <p:sldId id="267" r:id="rId13"/>
+    <p:sldId id="268" r:id="rId14"/>
+    <p:sldId id="269" r:id="rId15"/>
+    <p:sldId id="270" r:id="rId16"/>
+    <p:sldId id="271" r:id="rId17"/>
   </p:sldIdLst>
   <p:sldSz cx="12192000" cy="6858000"/>
   <p:notesSz cx="6858000" cy="9144000"/>
@@ -115,6 +119,11 @@
       </a:defRPr>
     </a:lvl9pPr>
   </p:defaultTextStyle>
+  <p:extLst>
+    <p:ext uri="{EFAFB233-063F-42B5-8137-9DF3F51BA10A}">
+      <p15:sldGuideLst xmlns:p15="http://schemas.microsoft.com/office/powerpoint/2012/main"/>
+    </p:ext>
+  </p:extLst>
 </p:presentation>
 </file>
 
@@ -265,7 +274,7 @@
           <a:p>
             <a:fld id="{B0277530-20B6-43B6-9066-60FB7ABFE3D9}" type="datetimeFigureOut">
               <a:rPr lang="en-US" smtClean="0"/>
-              <a:t>6/7/2024</a:t>
+              <a:t>6/10/2024</a:t>
             </a:fld>
             <a:endParaRPr lang="en-US"/>
           </a:p>
@@ -463,7 +472,7 @@
           <a:p>
             <a:fld id="{B0277530-20B6-43B6-9066-60FB7ABFE3D9}" type="datetimeFigureOut">
               <a:rPr lang="en-US" smtClean="0"/>
-              <a:t>6/7/2024</a:t>
+              <a:t>6/10/2024</a:t>
             </a:fld>
             <a:endParaRPr lang="en-US"/>
           </a:p>
@@ -671,7 +680,7 @@
           <a:p>
             <a:fld id="{B0277530-20B6-43B6-9066-60FB7ABFE3D9}" type="datetimeFigureOut">
               <a:rPr lang="en-US" smtClean="0"/>
-              <a:t>6/7/2024</a:t>
+              <a:t>6/10/2024</a:t>
             </a:fld>
             <a:endParaRPr lang="en-US"/>
           </a:p>
@@ -869,7 +878,7 @@
           <a:p>
             <a:fld id="{B0277530-20B6-43B6-9066-60FB7ABFE3D9}" type="datetimeFigureOut">
               <a:rPr lang="en-US" smtClean="0"/>
-              <a:t>6/7/2024</a:t>
+              <a:t>6/10/2024</a:t>
             </a:fld>
             <a:endParaRPr lang="en-US"/>
           </a:p>
@@ -1144,7 +1153,7 @@
           <a:p>
             <a:fld id="{B0277530-20B6-43B6-9066-60FB7ABFE3D9}" type="datetimeFigureOut">
               <a:rPr lang="en-US" smtClean="0"/>
-              <a:t>6/7/2024</a:t>
+              <a:t>6/10/2024</a:t>
             </a:fld>
             <a:endParaRPr lang="en-US"/>
           </a:p>
@@ -1409,7 +1418,7 @@
           <a:p>
             <a:fld id="{B0277530-20B6-43B6-9066-60FB7ABFE3D9}" type="datetimeFigureOut">
               <a:rPr lang="en-US" smtClean="0"/>
-              <a:t>6/7/2024</a:t>
+              <a:t>6/10/2024</a:t>
             </a:fld>
             <a:endParaRPr lang="en-US"/>
           </a:p>
@@ -1821,7 +1830,7 @@
           <a:p>
             <a:fld id="{B0277530-20B6-43B6-9066-60FB7ABFE3D9}" type="datetimeFigureOut">
               <a:rPr lang="en-US" smtClean="0"/>
-              <a:t>6/7/2024</a:t>
+              <a:t>6/10/2024</a:t>
             </a:fld>
             <a:endParaRPr lang="en-US"/>
           </a:p>
@@ -1962,7 +1971,7 @@
           <a:p>
             <a:fld id="{B0277530-20B6-43B6-9066-60FB7ABFE3D9}" type="datetimeFigureOut">
               <a:rPr lang="en-US" smtClean="0"/>
-              <a:t>6/7/2024</a:t>
+              <a:t>6/10/2024</a:t>
             </a:fld>
             <a:endParaRPr lang="en-US"/>
           </a:p>
@@ -2075,7 +2084,7 @@
           <a:p>
             <a:fld id="{B0277530-20B6-43B6-9066-60FB7ABFE3D9}" type="datetimeFigureOut">
               <a:rPr lang="en-US" smtClean="0"/>
-              <a:t>6/7/2024</a:t>
+              <a:t>6/10/2024</a:t>
             </a:fld>
             <a:endParaRPr lang="en-US"/>
           </a:p>
@@ -2386,7 +2395,7 @@
           <a:p>
             <a:fld id="{B0277530-20B6-43B6-9066-60FB7ABFE3D9}" type="datetimeFigureOut">
               <a:rPr lang="en-US" smtClean="0"/>
-              <a:t>6/7/2024</a:t>
+              <a:t>6/10/2024</a:t>
             </a:fld>
             <a:endParaRPr lang="en-US"/>
           </a:p>
@@ -2674,7 +2683,7 @@
           <a:p>
             <a:fld id="{B0277530-20B6-43B6-9066-60FB7ABFE3D9}" type="datetimeFigureOut">
               <a:rPr lang="en-US" smtClean="0"/>
-              <a:t>6/7/2024</a:t>
+              <a:t>6/10/2024</a:t>
             </a:fld>
             <a:endParaRPr lang="en-US"/>
           </a:p>
@@ -2915,7 +2924,7 @@
           <a:p>
             <a:fld id="{B0277530-20B6-43B6-9066-60FB7ABFE3D9}" type="datetimeFigureOut">
               <a:rPr lang="en-US" smtClean="0"/>
-              <a:t>6/7/2024</a:t>
+              <a:t>6/10/2024</a:t>
             </a:fld>
             <a:endParaRPr lang="en-US"/>
           </a:p>
@@ -3904,6 +3913,824 @@
 </p:sld>
 </file>
 
+<file path=ppt/slides/slide13.xml><?xml version="1.0" encoding="utf-8"?>
+<p:sld xmlns:a="http://schemas.openxmlformats.org/drawingml/2006/main" xmlns:r="http://schemas.openxmlformats.org/officeDocument/2006/relationships" xmlns:p="http://schemas.openxmlformats.org/presentationml/2006/main">
+  <p:cSld>
+    <p:spTree>
+      <p:nvGrpSpPr>
+        <p:cNvPr id="1" name=""/>
+        <p:cNvGrpSpPr/>
+        <p:nvPr/>
+      </p:nvGrpSpPr>
+      <p:grpSpPr>
+        <a:xfrm>
+          <a:off x="0" y="0"/>
+          <a:ext cx="0" cy="0"/>
+          <a:chOff x="0" y="0"/>
+          <a:chExt cx="0" cy="0"/>
+        </a:xfrm>
+      </p:grpSpPr>
+      <p:sp>
+        <p:nvSpPr>
+          <p:cNvPr id="2" name="Title 1">
+            <a:extLst>
+              <a:ext uri="{FF2B5EF4-FFF2-40B4-BE49-F238E27FC236}">
+                <a16:creationId xmlns:a16="http://schemas.microsoft.com/office/drawing/2014/main" id="{6BA17237-58B1-D1B7-212A-D75A6BDAFC60}"/>
+              </a:ext>
+            </a:extLst>
+          </p:cNvPr>
+          <p:cNvSpPr>
+            <a:spLocks noGrp="1"/>
+          </p:cNvSpPr>
+          <p:nvPr>
+            <p:ph type="title"/>
+          </p:nvPr>
+        </p:nvSpPr>
+        <p:spPr/>
+        <p:txBody>
+          <a:bodyPr/>
+          <a:lstStyle/>
+          <a:p>
+            <a:r>
+              <a:rPr lang="en-US" dirty="0"/>
+              <a:t>HTML Text Formatting Tags</a:t>
+            </a:r>
+          </a:p>
+        </p:txBody>
+      </p:sp>
+      <p:sp>
+        <p:nvSpPr>
+          <p:cNvPr id="3" name="Content Placeholder 2">
+            <a:extLst>
+              <a:ext uri="{FF2B5EF4-FFF2-40B4-BE49-F238E27FC236}">
+                <a16:creationId xmlns:a16="http://schemas.microsoft.com/office/drawing/2014/main" id="{30CD3EBC-9650-BEF9-124F-B3BED6221F4E}"/>
+              </a:ext>
+            </a:extLst>
+          </p:cNvPr>
+          <p:cNvSpPr>
+            <a:spLocks noGrp="1"/>
+          </p:cNvSpPr>
+          <p:nvPr>
+            <p:ph idx="1"/>
+          </p:nvPr>
+        </p:nvSpPr>
+        <p:spPr/>
+        <p:txBody>
+          <a:bodyPr/>
+          <a:lstStyle/>
+          <a:p>
+            <a:r>
+              <a:rPr lang="en-US" dirty="0"/>
+              <a:t>Sub Script</a:t>
+            </a:r>
+          </a:p>
+          <a:p>
+            <a:r>
+              <a:rPr lang="en-US" dirty="0"/>
+              <a:t>Super Script</a:t>
+            </a:r>
+          </a:p>
+          <a:p>
+            <a:r>
+              <a:rPr lang="en-US" dirty="0"/>
+              <a:t>Break</a:t>
+            </a:r>
+          </a:p>
+          <a:p>
+            <a:r>
+              <a:rPr lang="en-US" dirty="0"/>
+              <a:t>Non-Breaking Space</a:t>
+            </a:r>
+          </a:p>
+        </p:txBody>
+      </p:sp>
+    </p:spTree>
+    <p:extLst>
+      <p:ext uri="{BB962C8B-B14F-4D97-AF65-F5344CB8AC3E}">
+        <p14:creationId xmlns:p14="http://schemas.microsoft.com/office/powerpoint/2010/main" val="688023268"/>
+      </p:ext>
+    </p:extLst>
+  </p:cSld>
+  <p:clrMapOvr>
+    <a:masterClrMapping/>
+  </p:clrMapOvr>
+</p:sld>
+</file>
+
+<file path=ppt/slides/slide14.xml><?xml version="1.0" encoding="utf-8"?>
+<p:sld xmlns:a="http://schemas.openxmlformats.org/drawingml/2006/main" xmlns:r="http://schemas.openxmlformats.org/officeDocument/2006/relationships" xmlns:p="http://schemas.openxmlformats.org/presentationml/2006/main">
+  <p:cSld>
+    <p:spTree>
+      <p:nvGrpSpPr>
+        <p:cNvPr id="1" name=""/>
+        <p:cNvGrpSpPr/>
+        <p:nvPr/>
+      </p:nvGrpSpPr>
+      <p:grpSpPr>
+        <a:xfrm>
+          <a:off x="0" y="0"/>
+          <a:ext cx="0" cy="0"/>
+          <a:chOff x="0" y="0"/>
+          <a:chExt cx="0" cy="0"/>
+        </a:xfrm>
+      </p:grpSpPr>
+      <p:sp>
+        <p:nvSpPr>
+          <p:cNvPr id="2" name="Title 1">
+            <a:extLst>
+              <a:ext uri="{FF2B5EF4-FFF2-40B4-BE49-F238E27FC236}">
+                <a16:creationId xmlns:a16="http://schemas.microsoft.com/office/drawing/2014/main" id="{CD02B23E-A4CA-AB94-8D73-0C482F10E8C2}"/>
+              </a:ext>
+            </a:extLst>
+          </p:cNvPr>
+          <p:cNvSpPr>
+            <a:spLocks noGrp="1"/>
+          </p:cNvSpPr>
+          <p:nvPr>
+            <p:ph type="title"/>
+          </p:nvPr>
+        </p:nvSpPr>
+        <p:spPr/>
+        <p:txBody>
+          <a:bodyPr/>
+          <a:lstStyle/>
+          <a:p>
+            <a:r>
+              <a:rPr lang="en-US" dirty="0"/>
+              <a:t>HTML Text Formatting Tag</a:t>
+            </a:r>
+          </a:p>
+        </p:txBody>
+      </p:sp>
+      <p:sp>
+        <p:nvSpPr>
+          <p:cNvPr id="3" name="Content Placeholder 2">
+            <a:extLst>
+              <a:ext uri="{FF2B5EF4-FFF2-40B4-BE49-F238E27FC236}">
+                <a16:creationId xmlns:a16="http://schemas.microsoft.com/office/drawing/2014/main" id="{C8A44653-B81E-9A9A-D8D6-6C9E37C8D3D4}"/>
+              </a:ext>
+            </a:extLst>
+          </p:cNvPr>
+          <p:cNvSpPr>
+            <a:spLocks noGrp="1"/>
+          </p:cNvSpPr>
+          <p:nvPr>
+            <p:ph idx="1"/>
+          </p:nvPr>
+        </p:nvSpPr>
+        <p:spPr/>
+        <p:txBody>
+          <a:bodyPr>
+            <a:normAutofit fontScale="92500" lnSpcReduction="20000"/>
+          </a:bodyPr>
+          <a:lstStyle/>
+          <a:p>
+            <a:pPr marL="0" indent="0">
+              <a:buNone/>
+            </a:pPr>
+            <a:r>
+              <a:rPr lang="en-US" dirty="0"/>
+              <a:t>Font Tag</a:t>
+            </a:r>
+          </a:p>
+          <a:p>
+            <a:pPr marL="0" indent="0">
+              <a:buNone/>
+            </a:pPr>
+            <a:endParaRPr lang="en-US" dirty="0"/>
+          </a:p>
+          <a:p>
+            <a:pPr marL="0" indent="0">
+              <a:buNone/>
+            </a:pPr>
+            <a:r>
+              <a:rPr lang="en-US" dirty="0"/>
+              <a:t>Color</a:t>
+            </a:r>
+          </a:p>
+          <a:p>
+            <a:pPr marL="0" indent="0">
+              <a:buNone/>
+            </a:pPr>
+            <a:r>
+              <a:rPr lang="en-US" dirty="0"/>
+              <a:t>Size</a:t>
+            </a:r>
+          </a:p>
+          <a:p>
+            <a:pPr marL="0" indent="0">
+              <a:buNone/>
+            </a:pPr>
+            <a:r>
+              <a:rPr lang="en-US" dirty="0"/>
+              <a:t>Face</a:t>
+            </a:r>
+          </a:p>
+          <a:p>
+            <a:pPr marL="0" indent="0">
+              <a:buNone/>
+            </a:pPr>
+            <a:endParaRPr lang="en-US" dirty="0"/>
+          </a:p>
+          <a:p>
+            <a:pPr marL="0" indent="0">
+              <a:buNone/>
+            </a:pPr>
+            <a:r>
+              <a:rPr lang="en-US" dirty="0">
+                <a:hlinkClick r:id="rId2"/>
+              </a:rPr>
+              <a:t>https://htmlcolorcodes.com/color-chart/web-safe-color-chart/</a:t>
+            </a:r>
+            <a:endParaRPr lang="en-US" dirty="0"/>
+          </a:p>
+          <a:p>
+            <a:pPr marL="0" indent="0">
+              <a:buNone/>
+            </a:pPr>
+            <a:endParaRPr lang="en-US" dirty="0"/>
+          </a:p>
+          <a:p>
+            <a:pPr marL="0" indent="0">
+              <a:buNone/>
+            </a:pPr>
+            <a:r>
+              <a:rPr lang="en-US" dirty="0">
+                <a:hlinkClick r:id="rId3"/>
+              </a:rPr>
+              <a:t>https://colorhunt.co/</a:t>
+            </a:r>
+            <a:endParaRPr lang="en-US" dirty="0"/>
+          </a:p>
+          <a:p>
+            <a:pPr marL="0" indent="0">
+              <a:buNone/>
+            </a:pPr>
+            <a:r>
+              <a:rPr lang="en-US" dirty="0"/>
+              <a:t>We use in CSS.</a:t>
+            </a:r>
+          </a:p>
+        </p:txBody>
+      </p:sp>
+    </p:spTree>
+    <p:extLst>
+      <p:ext uri="{BB962C8B-B14F-4D97-AF65-F5344CB8AC3E}">
+        <p14:creationId xmlns:p14="http://schemas.microsoft.com/office/powerpoint/2010/main" val="3038697511"/>
+      </p:ext>
+    </p:extLst>
+  </p:cSld>
+  <p:clrMapOvr>
+    <a:masterClrMapping/>
+  </p:clrMapOvr>
+</p:sld>
+</file>
+
+<file path=ppt/slides/slide15.xml><?xml version="1.0" encoding="utf-8"?>
+<p:sld xmlns:a="http://schemas.openxmlformats.org/drawingml/2006/main" xmlns:r="http://schemas.openxmlformats.org/officeDocument/2006/relationships" xmlns:p="http://schemas.openxmlformats.org/presentationml/2006/main">
+  <p:cSld>
+    <p:spTree>
+      <p:nvGrpSpPr>
+        <p:cNvPr id="1" name=""/>
+        <p:cNvGrpSpPr/>
+        <p:nvPr/>
+      </p:nvGrpSpPr>
+      <p:grpSpPr>
+        <a:xfrm>
+          <a:off x="0" y="0"/>
+          <a:ext cx="0" cy="0"/>
+          <a:chOff x="0" y="0"/>
+          <a:chExt cx="0" cy="0"/>
+        </a:xfrm>
+      </p:grpSpPr>
+      <p:sp>
+        <p:nvSpPr>
+          <p:cNvPr id="2" name="Title 1">
+            <a:extLst>
+              <a:ext uri="{FF2B5EF4-FFF2-40B4-BE49-F238E27FC236}">
+                <a16:creationId xmlns:a16="http://schemas.microsoft.com/office/drawing/2014/main" id="{FC044ED5-2CA5-2C57-3A9F-BC23D5C6A534}"/>
+              </a:ext>
+            </a:extLst>
+          </p:cNvPr>
+          <p:cNvSpPr>
+            <a:spLocks noGrp="1"/>
+          </p:cNvSpPr>
+          <p:nvPr>
+            <p:ph type="title"/>
+          </p:nvPr>
+        </p:nvSpPr>
+        <p:spPr/>
+        <p:txBody>
+          <a:bodyPr/>
+          <a:lstStyle/>
+          <a:p>
+            <a:r>
+              <a:rPr lang="en-US" dirty="0"/>
+              <a:t>HTML Listing Tag-1</a:t>
+            </a:r>
+          </a:p>
+        </p:txBody>
+      </p:sp>
+      <p:sp>
+        <p:nvSpPr>
+          <p:cNvPr id="3" name="Content Placeholder 2">
+            <a:extLst>
+              <a:ext uri="{FF2B5EF4-FFF2-40B4-BE49-F238E27FC236}">
+                <a16:creationId xmlns:a16="http://schemas.microsoft.com/office/drawing/2014/main" id="{2BAACE36-D058-2A22-4F34-B51116F9D169}"/>
+              </a:ext>
+            </a:extLst>
+          </p:cNvPr>
+          <p:cNvSpPr>
+            <a:spLocks noGrp="1"/>
+          </p:cNvSpPr>
+          <p:nvPr>
+            <p:ph idx="1"/>
+          </p:nvPr>
+        </p:nvSpPr>
+        <p:spPr>
+          <a:xfrm>
+            <a:off x="838200" y="1825625"/>
+            <a:ext cx="3696478" cy="4351338"/>
+          </a:xfrm>
+        </p:spPr>
+        <p:txBody>
+          <a:bodyPr/>
+          <a:lstStyle/>
+          <a:p>
+            <a:pPr marL="0" indent="0">
+              <a:buNone/>
+            </a:pPr>
+            <a:r>
+              <a:rPr lang="en-US" dirty="0"/>
+              <a:t>Unorder List</a:t>
+            </a:r>
+          </a:p>
+          <a:p>
+            <a:r>
+              <a:rPr lang="en-US" dirty="0"/>
+              <a:t>Orange</a:t>
+            </a:r>
+          </a:p>
+          <a:p>
+            <a:r>
+              <a:rPr lang="en-US" dirty="0"/>
+              <a:t>Banana</a:t>
+            </a:r>
+          </a:p>
+          <a:p>
+            <a:r>
+              <a:rPr lang="en-US" dirty="0"/>
+              <a:t>Apple</a:t>
+            </a:r>
+          </a:p>
+          <a:p>
+            <a:r>
+              <a:rPr lang="en-US" dirty="0"/>
+              <a:t>Mango</a:t>
+            </a:r>
+          </a:p>
+          <a:p>
+            <a:pPr marL="0" indent="0">
+              <a:buNone/>
+            </a:pPr>
+            <a:endParaRPr lang="en-US" dirty="0"/>
+          </a:p>
+        </p:txBody>
+      </p:sp>
+      <p:sp>
+        <p:nvSpPr>
+          <p:cNvPr id="4" name="Content Placeholder 2">
+            <a:extLst>
+              <a:ext uri="{FF2B5EF4-FFF2-40B4-BE49-F238E27FC236}">
+                <a16:creationId xmlns:a16="http://schemas.microsoft.com/office/drawing/2014/main" id="{692E6C58-DD88-4CCB-9627-19BAC7F0315A}"/>
+              </a:ext>
+            </a:extLst>
+          </p:cNvPr>
+          <p:cNvSpPr txBox="1">
+            <a:spLocks/>
+          </p:cNvSpPr>
+          <p:nvPr/>
+        </p:nvSpPr>
+        <p:spPr>
+          <a:xfrm>
+            <a:off x="6809791" y="1825625"/>
+            <a:ext cx="3696478" cy="4351338"/>
+          </a:xfrm>
+          <a:prstGeom prst="rect">
+            <a:avLst/>
+          </a:prstGeom>
+        </p:spPr>
+        <p:txBody>
+          <a:bodyPr vert="horz" lIns="91440" tIns="45720" rIns="91440" bIns="45720" rtlCol="0">
+            <a:normAutofit/>
+          </a:bodyPr>
+          <a:lstStyle>
+            <a:lvl1pPr marL="228600" indent="-228600" algn="l" defTabSz="914400" rtl="0" eaLnBrk="1" latinLnBrk="0" hangingPunct="1">
+              <a:lnSpc>
+                <a:spcPct val="90000"/>
+              </a:lnSpc>
+              <a:spcBef>
+                <a:spcPts val="1000"/>
+              </a:spcBef>
+              <a:buFont typeface="Arial" panose="020B0604020202020204" pitchFamily="34" charset="0"/>
+              <a:buChar char="•"/>
+              <a:defRPr sz="2800" kern="1200">
+                <a:solidFill>
+                  <a:schemeClr val="tx1"/>
+                </a:solidFill>
+                <a:latin typeface="+mn-lt"/>
+                <a:ea typeface="+mn-ea"/>
+                <a:cs typeface="+mn-cs"/>
+              </a:defRPr>
+            </a:lvl1pPr>
+            <a:lvl2pPr marL="685800" indent="-228600" algn="l" defTabSz="914400" rtl="0" eaLnBrk="1" latinLnBrk="0" hangingPunct="1">
+              <a:lnSpc>
+                <a:spcPct val="90000"/>
+              </a:lnSpc>
+              <a:spcBef>
+                <a:spcPts val="500"/>
+              </a:spcBef>
+              <a:buFont typeface="Arial" panose="020B0604020202020204" pitchFamily="34" charset="0"/>
+              <a:buChar char="•"/>
+              <a:defRPr sz="2400" kern="1200">
+                <a:solidFill>
+                  <a:schemeClr val="tx1"/>
+                </a:solidFill>
+                <a:latin typeface="+mn-lt"/>
+                <a:ea typeface="+mn-ea"/>
+                <a:cs typeface="+mn-cs"/>
+              </a:defRPr>
+            </a:lvl2pPr>
+            <a:lvl3pPr marL="1143000" indent="-228600" algn="l" defTabSz="914400" rtl="0" eaLnBrk="1" latinLnBrk="0" hangingPunct="1">
+              <a:lnSpc>
+                <a:spcPct val="90000"/>
+              </a:lnSpc>
+              <a:spcBef>
+                <a:spcPts val="500"/>
+              </a:spcBef>
+              <a:buFont typeface="Arial" panose="020B0604020202020204" pitchFamily="34" charset="0"/>
+              <a:buChar char="•"/>
+              <a:defRPr sz="2000" kern="1200">
+                <a:solidFill>
+                  <a:schemeClr val="tx1"/>
+                </a:solidFill>
+                <a:latin typeface="+mn-lt"/>
+                <a:ea typeface="+mn-ea"/>
+                <a:cs typeface="+mn-cs"/>
+              </a:defRPr>
+            </a:lvl3pPr>
+            <a:lvl4pPr marL="1600200" indent="-228600" algn="l" defTabSz="914400" rtl="0" eaLnBrk="1" latinLnBrk="0" hangingPunct="1">
+              <a:lnSpc>
+                <a:spcPct val="90000"/>
+              </a:lnSpc>
+              <a:spcBef>
+                <a:spcPts val="500"/>
+              </a:spcBef>
+              <a:buFont typeface="Arial" panose="020B0604020202020204" pitchFamily="34" charset="0"/>
+              <a:buChar char="•"/>
+              <a:defRPr sz="1800" kern="1200">
+                <a:solidFill>
+                  <a:schemeClr val="tx1"/>
+                </a:solidFill>
+                <a:latin typeface="+mn-lt"/>
+                <a:ea typeface="+mn-ea"/>
+                <a:cs typeface="+mn-cs"/>
+              </a:defRPr>
+            </a:lvl4pPr>
+            <a:lvl5pPr marL="2057400" indent="-228600" algn="l" defTabSz="914400" rtl="0" eaLnBrk="1" latinLnBrk="0" hangingPunct="1">
+              <a:lnSpc>
+                <a:spcPct val="90000"/>
+              </a:lnSpc>
+              <a:spcBef>
+                <a:spcPts val="500"/>
+              </a:spcBef>
+              <a:buFont typeface="Arial" panose="020B0604020202020204" pitchFamily="34" charset="0"/>
+              <a:buChar char="•"/>
+              <a:defRPr sz="1800" kern="1200">
+                <a:solidFill>
+                  <a:schemeClr val="tx1"/>
+                </a:solidFill>
+                <a:latin typeface="+mn-lt"/>
+                <a:ea typeface="+mn-ea"/>
+                <a:cs typeface="+mn-cs"/>
+              </a:defRPr>
+            </a:lvl5pPr>
+            <a:lvl6pPr marL="2514600" indent="-228600" algn="l" defTabSz="914400" rtl="0" eaLnBrk="1" latinLnBrk="0" hangingPunct="1">
+              <a:lnSpc>
+                <a:spcPct val="90000"/>
+              </a:lnSpc>
+              <a:spcBef>
+                <a:spcPts val="500"/>
+              </a:spcBef>
+              <a:buFont typeface="Arial" panose="020B0604020202020204" pitchFamily="34" charset="0"/>
+              <a:buChar char="•"/>
+              <a:defRPr sz="1800" kern="1200">
+                <a:solidFill>
+                  <a:schemeClr val="tx1"/>
+                </a:solidFill>
+                <a:latin typeface="+mn-lt"/>
+                <a:ea typeface="+mn-ea"/>
+                <a:cs typeface="+mn-cs"/>
+              </a:defRPr>
+            </a:lvl6pPr>
+            <a:lvl7pPr marL="2971800" indent="-228600" algn="l" defTabSz="914400" rtl="0" eaLnBrk="1" latinLnBrk="0" hangingPunct="1">
+              <a:lnSpc>
+                <a:spcPct val="90000"/>
+              </a:lnSpc>
+              <a:spcBef>
+                <a:spcPts val="500"/>
+              </a:spcBef>
+              <a:buFont typeface="Arial" panose="020B0604020202020204" pitchFamily="34" charset="0"/>
+              <a:buChar char="•"/>
+              <a:defRPr sz="1800" kern="1200">
+                <a:solidFill>
+                  <a:schemeClr val="tx1"/>
+                </a:solidFill>
+                <a:latin typeface="+mn-lt"/>
+                <a:ea typeface="+mn-ea"/>
+                <a:cs typeface="+mn-cs"/>
+              </a:defRPr>
+            </a:lvl7pPr>
+            <a:lvl8pPr marL="3429000" indent="-228600" algn="l" defTabSz="914400" rtl="0" eaLnBrk="1" latinLnBrk="0" hangingPunct="1">
+              <a:lnSpc>
+                <a:spcPct val="90000"/>
+              </a:lnSpc>
+              <a:spcBef>
+                <a:spcPts val="500"/>
+              </a:spcBef>
+              <a:buFont typeface="Arial" panose="020B0604020202020204" pitchFamily="34" charset="0"/>
+              <a:buChar char="•"/>
+              <a:defRPr sz="1800" kern="1200">
+                <a:solidFill>
+                  <a:schemeClr val="tx1"/>
+                </a:solidFill>
+                <a:latin typeface="+mn-lt"/>
+                <a:ea typeface="+mn-ea"/>
+                <a:cs typeface="+mn-cs"/>
+              </a:defRPr>
+            </a:lvl8pPr>
+            <a:lvl9pPr marL="3886200" indent="-228600" algn="l" defTabSz="914400" rtl="0" eaLnBrk="1" latinLnBrk="0" hangingPunct="1">
+              <a:lnSpc>
+                <a:spcPct val="90000"/>
+              </a:lnSpc>
+              <a:spcBef>
+                <a:spcPts val="500"/>
+              </a:spcBef>
+              <a:buFont typeface="Arial" panose="020B0604020202020204" pitchFamily="34" charset="0"/>
+              <a:buChar char="•"/>
+              <a:defRPr sz="1800" kern="1200">
+                <a:solidFill>
+                  <a:schemeClr val="tx1"/>
+                </a:solidFill>
+                <a:latin typeface="+mn-lt"/>
+                <a:ea typeface="+mn-ea"/>
+                <a:cs typeface="+mn-cs"/>
+              </a:defRPr>
+            </a:lvl9pPr>
+          </a:lstStyle>
+          <a:p>
+            <a:pPr marL="0" indent="0">
+              <a:buFont typeface="Arial" panose="020B0604020202020204" pitchFamily="34" charset="0"/>
+              <a:buNone/>
+            </a:pPr>
+            <a:r>
+              <a:rPr lang="en-US" dirty="0"/>
+              <a:t>Order List</a:t>
+            </a:r>
+          </a:p>
+          <a:p>
+            <a:pPr marL="514350" indent="-514350">
+              <a:buFont typeface="+mj-lt"/>
+              <a:buAutoNum type="arabicPeriod"/>
+            </a:pPr>
+            <a:r>
+              <a:rPr lang="en-US" dirty="0"/>
+              <a:t>Orange</a:t>
+            </a:r>
+          </a:p>
+          <a:p>
+            <a:pPr marL="514350" indent="-514350">
+              <a:buFont typeface="+mj-lt"/>
+              <a:buAutoNum type="arabicPeriod"/>
+            </a:pPr>
+            <a:r>
+              <a:rPr lang="en-US" dirty="0"/>
+              <a:t>Banana</a:t>
+            </a:r>
+          </a:p>
+          <a:p>
+            <a:pPr marL="514350" indent="-514350">
+              <a:buFont typeface="+mj-lt"/>
+              <a:buAutoNum type="arabicPeriod"/>
+            </a:pPr>
+            <a:r>
+              <a:rPr lang="en-US" dirty="0"/>
+              <a:t>Apple</a:t>
+            </a:r>
+          </a:p>
+          <a:p>
+            <a:pPr marL="514350" indent="-514350">
+              <a:buFont typeface="+mj-lt"/>
+              <a:buAutoNum type="arabicPeriod"/>
+            </a:pPr>
+            <a:r>
+              <a:rPr lang="en-US" dirty="0"/>
+              <a:t>Grapes</a:t>
+            </a:r>
+          </a:p>
+          <a:p>
+            <a:pPr marL="514350" indent="-514350">
+              <a:buFont typeface="+mj-lt"/>
+              <a:buAutoNum type="arabicPeriod"/>
+            </a:pPr>
+            <a:endParaRPr lang="en-US" dirty="0"/>
+          </a:p>
+          <a:p>
+            <a:pPr marL="514350" indent="-514350">
+              <a:buFont typeface="+mj-lt"/>
+              <a:buAutoNum type="arabicPeriod"/>
+            </a:pPr>
+            <a:endParaRPr lang="en-US" dirty="0"/>
+          </a:p>
+          <a:p>
+            <a:pPr marL="0" indent="0">
+              <a:buNone/>
+            </a:pPr>
+            <a:r>
+              <a:rPr lang="en-US" dirty="0"/>
+              <a:t>list</a:t>
+            </a:r>
+          </a:p>
+          <a:p>
+            <a:pPr marL="0" indent="0">
+              <a:buFont typeface="Arial" panose="020B0604020202020204" pitchFamily="34" charset="0"/>
+              <a:buNone/>
+            </a:pPr>
+            <a:endParaRPr lang="en-US" dirty="0"/>
+          </a:p>
+        </p:txBody>
+      </p:sp>
+    </p:spTree>
+    <p:extLst>
+      <p:ext uri="{BB962C8B-B14F-4D97-AF65-F5344CB8AC3E}">
+        <p14:creationId xmlns:p14="http://schemas.microsoft.com/office/powerpoint/2010/main" val="3244837247"/>
+      </p:ext>
+    </p:extLst>
+  </p:cSld>
+  <p:clrMapOvr>
+    <a:masterClrMapping/>
+  </p:clrMapOvr>
+</p:sld>
+</file>
+
+<file path=ppt/slides/slide16.xml><?xml version="1.0" encoding="utf-8"?>
+<p:sld xmlns:a="http://schemas.openxmlformats.org/drawingml/2006/main" xmlns:r="http://schemas.openxmlformats.org/officeDocument/2006/relationships" xmlns:p="http://schemas.openxmlformats.org/presentationml/2006/main">
+  <p:cSld>
+    <p:spTree>
+      <p:nvGrpSpPr>
+        <p:cNvPr id="1" name=""/>
+        <p:cNvGrpSpPr/>
+        <p:nvPr/>
+      </p:nvGrpSpPr>
+      <p:grpSpPr>
+        <a:xfrm>
+          <a:off x="0" y="0"/>
+          <a:ext cx="0" cy="0"/>
+          <a:chOff x="0" y="0"/>
+          <a:chExt cx="0" cy="0"/>
+        </a:xfrm>
+      </p:grpSpPr>
+      <p:sp>
+        <p:nvSpPr>
+          <p:cNvPr id="2" name="Title 1">
+            <a:extLst>
+              <a:ext uri="{FF2B5EF4-FFF2-40B4-BE49-F238E27FC236}">
+                <a16:creationId xmlns:a16="http://schemas.microsoft.com/office/drawing/2014/main" id="{A053E9B0-C64A-523A-01A6-1A6C040FA2ED}"/>
+              </a:ext>
+            </a:extLst>
+          </p:cNvPr>
+          <p:cNvSpPr>
+            <a:spLocks noGrp="1"/>
+          </p:cNvSpPr>
+          <p:nvPr>
+            <p:ph type="title"/>
+          </p:nvPr>
+        </p:nvSpPr>
+        <p:spPr/>
+        <p:txBody>
+          <a:bodyPr/>
+          <a:lstStyle/>
+          <a:p>
+            <a:r>
+              <a:rPr lang="en-US" dirty="0"/>
+              <a:t>Listing tag - 2</a:t>
+            </a:r>
+          </a:p>
+        </p:txBody>
+      </p:sp>
+      <p:sp>
+        <p:nvSpPr>
+          <p:cNvPr id="3" name="Content Placeholder 2">
+            <a:extLst>
+              <a:ext uri="{FF2B5EF4-FFF2-40B4-BE49-F238E27FC236}">
+                <a16:creationId xmlns:a16="http://schemas.microsoft.com/office/drawing/2014/main" id="{D62BEF79-F5B5-C941-B4A1-94BE24D458AC}"/>
+              </a:ext>
+            </a:extLst>
+          </p:cNvPr>
+          <p:cNvSpPr>
+            <a:spLocks noGrp="1"/>
+          </p:cNvSpPr>
+          <p:nvPr>
+            <p:ph idx="1"/>
+          </p:nvPr>
+        </p:nvSpPr>
+        <p:spPr/>
+        <p:txBody>
+          <a:bodyPr/>
+          <a:lstStyle/>
+          <a:p>
+            <a:pPr marL="0" indent="0">
+              <a:buNone/>
+            </a:pPr>
+            <a:r>
+              <a:rPr lang="en-US" dirty="0"/>
+              <a:t>Description list</a:t>
+            </a:r>
+          </a:p>
+          <a:p>
+            <a:pPr marL="0" indent="0">
+              <a:buNone/>
+            </a:pPr>
+            <a:r>
+              <a:rPr lang="en-US" dirty="0"/>
+              <a:t>Heading 1</a:t>
+            </a:r>
+          </a:p>
+          <a:p>
+            <a:pPr marL="0" indent="0">
+              <a:buNone/>
+            </a:pPr>
+            <a:r>
+              <a:rPr lang="en-US" dirty="0"/>
+              <a:t>	dkl;sakdl;askdl;sakl;dksla;kdl;asdsal;dksal;dls;akdjl;askdl;sakdl;ksal;dklas;dkl;askdl;sakdl;skal;dkasl;</a:t>
+            </a:r>
+          </a:p>
+          <a:p>
+            <a:pPr marL="0" indent="0">
+              <a:buNone/>
+            </a:pPr>
+            <a:r>
+              <a:rPr lang="en-US" dirty="0"/>
+              <a:t>Heading 2	</a:t>
+            </a:r>
+          </a:p>
+          <a:p>
+            <a:pPr marL="0" indent="0">
+              <a:buNone/>
+            </a:pPr>
+            <a:r>
+              <a:rPr lang="en-US" dirty="0"/>
+              <a:t>	lk;dkl;askdl;skal;dkasl;dkl;sakdl;sakdl;askdl;kasl;dklas;kdl;askdl;askdl;kasl;dksla;kdl;as</a:t>
+            </a:r>
+          </a:p>
+          <a:p>
+            <a:pPr marL="0" indent="0">
+              <a:buNone/>
+            </a:pPr>
+            <a:r>
+              <a:rPr lang="en-US" dirty="0"/>
+              <a:t>Heading 3</a:t>
+            </a:r>
+          </a:p>
+          <a:p>
+            <a:pPr marL="0" indent="0">
+              <a:buNone/>
+            </a:pPr>
+            <a:r>
+              <a:rPr lang="en-US" dirty="0"/>
+              <a:t>	</a:t>
+            </a:r>
+            <a:r>
+              <a:rPr lang="en-US" dirty="0" err="1"/>
+              <a:t>saldl;sadkl;sakdl;sadl;sal;dsal;dl;asdl;asdl;sadl;sadl;s</a:t>
+            </a:r>
+            <a:endParaRPr lang="en-US" dirty="0"/>
+          </a:p>
+        </p:txBody>
+      </p:sp>
+    </p:spTree>
+    <p:extLst>
+      <p:ext uri="{BB962C8B-B14F-4D97-AF65-F5344CB8AC3E}">
+        <p14:creationId xmlns:p14="http://schemas.microsoft.com/office/powerpoint/2010/main" val="1212153694"/>
+      </p:ext>
+    </p:extLst>
+  </p:cSld>
+  <p:clrMapOvr>
+    <a:masterClrMapping/>
+  </p:clrMapOvr>
+</p:sld>
+</file>
+
 <file path=ppt/slides/slide2.xml><?xml version="1.0" encoding="utf-8"?>
 <p:sld xmlns:a="http://schemas.openxmlformats.org/drawingml/2006/main" xmlns:r="http://schemas.openxmlformats.org/officeDocument/2006/relationships" xmlns:p="http://schemas.openxmlformats.org/presentationml/2006/main">
   <p:cSld>

--- a/HTML.pptx
+++ b/HTML.pptx
@@ -21,6 +21,10 @@
     <p:sldId id="269" r:id="rId15"/>
     <p:sldId id="270" r:id="rId16"/>
     <p:sldId id="271" r:id="rId17"/>
+    <p:sldId id="272" r:id="rId18"/>
+    <p:sldId id="273" r:id="rId19"/>
+    <p:sldId id="274" r:id="rId20"/>
+    <p:sldId id="275" r:id="rId21"/>
   </p:sldIdLst>
   <p:sldSz cx="12192000" cy="6858000"/>
   <p:notesSz cx="6858000" cy="9144000"/>
@@ -274,7 +278,7 @@
           <a:p>
             <a:fld id="{B0277530-20B6-43B6-9066-60FB7ABFE3D9}" type="datetimeFigureOut">
               <a:rPr lang="en-US" smtClean="0"/>
-              <a:t>6/10/2024</a:t>
+              <a:t>6/11/2024</a:t>
             </a:fld>
             <a:endParaRPr lang="en-US"/>
           </a:p>
@@ -472,7 +476,7 @@
           <a:p>
             <a:fld id="{B0277530-20B6-43B6-9066-60FB7ABFE3D9}" type="datetimeFigureOut">
               <a:rPr lang="en-US" smtClean="0"/>
-              <a:t>6/10/2024</a:t>
+              <a:t>6/11/2024</a:t>
             </a:fld>
             <a:endParaRPr lang="en-US"/>
           </a:p>
@@ -680,7 +684,7 @@
           <a:p>
             <a:fld id="{B0277530-20B6-43B6-9066-60FB7ABFE3D9}" type="datetimeFigureOut">
               <a:rPr lang="en-US" smtClean="0"/>
-              <a:t>6/10/2024</a:t>
+              <a:t>6/11/2024</a:t>
             </a:fld>
             <a:endParaRPr lang="en-US"/>
           </a:p>
@@ -878,7 +882,7 @@
           <a:p>
             <a:fld id="{B0277530-20B6-43B6-9066-60FB7ABFE3D9}" type="datetimeFigureOut">
               <a:rPr lang="en-US" smtClean="0"/>
-              <a:t>6/10/2024</a:t>
+              <a:t>6/11/2024</a:t>
             </a:fld>
             <a:endParaRPr lang="en-US"/>
           </a:p>
@@ -1153,7 +1157,7 @@
           <a:p>
             <a:fld id="{B0277530-20B6-43B6-9066-60FB7ABFE3D9}" type="datetimeFigureOut">
               <a:rPr lang="en-US" smtClean="0"/>
-              <a:t>6/10/2024</a:t>
+              <a:t>6/11/2024</a:t>
             </a:fld>
             <a:endParaRPr lang="en-US"/>
           </a:p>
@@ -1418,7 +1422,7 @@
           <a:p>
             <a:fld id="{B0277530-20B6-43B6-9066-60FB7ABFE3D9}" type="datetimeFigureOut">
               <a:rPr lang="en-US" smtClean="0"/>
-              <a:t>6/10/2024</a:t>
+              <a:t>6/11/2024</a:t>
             </a:fld>
             <a:endParaRPr lang="en-US"/>
           </a:p>
@@ -1830,7 +1834,7 @@
           <a:p>
             <a:fld id="{B0277530-20B6-43B6-9066-60FB7ABFE3D9}" type="datetimeFigureOut">
               <a:rPr lang="en-US" smtClean="0"/>
-              <a:t>6/10/2024</a:t>
+              <a:t>6/11/2024</a:t>
             </a:fld>
             <a:endParaRPr lang="en-US"/>
           </a:p>
@@ -1971,7 +1975,7 @@
           <a:p>
             <a:fld id="{B0277530-20B6-43B6-9066-60FB7ABFE3D9}" type="datetimeFigureOut">
               <a:rPr lang="en-US" smtClean="0"/>
-              <a:t>6/10/2024</a:t>
+              <a:t>6/11/2024</a:t>
             </a:fld>
             <a:endParaRPr lang="en-US"/>
           </a:p>
@@ -2084,7 +2088,7 @@
           <a:p>
             <a:fld id="{B0277530-20B6-43B6-9066-60FB7ABFE3D9}" type="datetimeFigureOut">
               <a:rPr lang="en-US" smtClean="0"/>
-              <a:t>6/10/2024</a:t>
+              <a:t>6/11/2024</a:t>
             </a:fld>
             <a:endParaRPr lang="en-US"/>
           </a:p>
@@ -2395,7 +2399,7 @@
           <a:p>
             <a:fld id="{B0277530-20B6-43B6-9066-60FB7ABFE3D9}" type="datetimeFigureOut">
               <a:rPr lang="en-US" smtClean="0"/>
-              <a:t>6/10/2024</a:t>
+              <a:t>6/11/2024</a:t>
             </a:fld>
             <a:endParaRPr lang="en-US"/>
           </a:p>
@@ -2683,7 +2687,7 @@
           <a:p>
             <a:fld id="{B0277530-20B6-43B6-9066-60FB7ABFE3D9}" type="datetimeFigureOut">
               <a:rPr lang="en-US" smtClean="0"/>
-              <a:t>6/10/2024</a:t>
+              <a:t>6/11/2024</a:t>
             </a:fld>
             <a:endParaRPr lang="en-US"/>
           </a:p>
@@ -2924,7 +2928,7 @@
           <a:p>
             <a:fld id="{B0277530-20B6-43B6-9066-60FB7ABFE3D9}" type="datetimeFigureOut">
               <a:rPr lang="en-US" smtClean="0"/>
-              <a:t>6/10/2024</a:t>
+              <a:t>6/11/2024</a:t>
             </a:fld>
             <a:endParaRPr lang="en-US"/>
           </a:p>
@@ -4731,6 +4735,296 @@
 </p:sld>
 </file>
 
+<file path=ppt/slides/slide17.xml><?xml version="1.0" encoding="utf-8"?>
+<p:sld xmlns:a="http://schemas.openxmlformats.org/drawingml/2006/main" xmlns:r="http://schemas.openxmlformats.org/officeDocument/2006/relationships" xmlns:p="http://schemas.openxmlformats.org/presentationml/2006/main">
+  <p:cSld>
+    <p:spTree>
+      <p:nvGrpSpPr>
+        <p:cNvPr id="1" name=""/>
+        <p:cNvGrpSpPr/>
+        <p:nvPr/>
+      </p:nvGrpSpPr>
+      <p:grpSpPr>
+        <a:xfrm>
+          <a:off x="0" y="0"/>
+          <a:ext cx="0" cy="0"/>
+          <a:chOff x="0" y="0"/>
+          <a:chExt cx="0" cy="0"/>
+        </a:xfrm>
+      </p:grpSpPr>
+      <p:sp>
+        <p:nvSpPr>
+          <p:cNvPr id="2" name="Title 1">
+            <a:extLst>
+              <a:ext uri="{FF2B5EF4-FFF2-40B4-BE49-F238E27FC236}">
+                <a16:creationId xmlns:a16="http://schemas.microsoft.com/office/drawing/2014/main" id="{34A4AB66-06AB-8756-C2EE-0E006CB3B903}"/>
+              </a:ext>
+            </a:extLst>
+          </p:cNvPr>
+          <p:cNvSpPr>
+            <a:spLocks noGrp="1"/>
+          </p:cNvSpPr>
+          <p:nvPr>
+            <p:ph type="title"/>
+          </p:nvPr>
+        </p:nvSpPr>
+        <p:spPr>
+          <a:xfrm>
+            <a:off x="838200" y="365125"/>
+            <a:ext cx="10515600" cy="6137275"/>
+          </a:xfrm>
+        </p:spPr>
+        <p:txBody>
+          <a:bodyPr>
+            <a:normAutofit fontScale="90000"/>
+          </a:bodyPr>
+          <a:lstStyle/>
+          <a:p>
+            <a:r>
+              <a:rPr lang="en-US" dirty="0"/>
+              <a:t>HTML Marquee Tag</a:t>
+            </a:r>
+            <a:br>
+              <a:rPr lang="en-US" dirty="0"/>
+            </a:br>
+            <a:br>
+              <a:rPr lang="en-US" dirty="0"/>
+            </a:br>
+            <a:r>
+              <a:rPr lang="en-US" dirty="0"/>
+              <a:t>behavior = </a:t>
+            </a:r>
+            <a:r>
+              <a:rPr lang="en-US" dirty="0" err="1"/>
+              <a:t>alternate,slide,scroll</a:t>
+            </a:r>
+            <a:br>
+              <a:rPr lang="en-US" dirty="0"/>
+            </a:br>
+            <a:r>
+              <a:rPr lang="en-US" dirty="0"/>
+              <a:t>direction</a:t>
+            </a:r>
+            <a:br>
+              <a:rPr lang="en-US" dirty="0"/>
+            </a:br>
+            <a:r>
+              <a:rPr lang="en-US" dirty="0" err="1"/>
+              <a:t>scrollamount</a:t>
+            </a:r>
+            <a:br>
+              <a:rPr lang="en-US" dirty="0"/>
+            </a:br>
+            <a:r>
+              <a:rPr lang="en-US" dirty="0"/>
+              <a:t>loop</a:t>
+            </a:r>
+            <a:br>
+              <a:rPr lang="en-US" dirty="0"/>
+            </a:br>
+            <a:r>
+              <a:rPr lang="en-US" dirty="0" err="1"/>
+              <a:t>bgcolor</a:t>
+            </a:r>
+            <a:br>
+              <a:rPr lang="en-US" dirty="0"/>
+            </a:br>
+            <a:r>
+              <a:rPr lang="en-US" dirty="0"/>
+              <a:t>width</a:t>
+            </a:r>
+            <a:br>
+              <a:rPr lang="en-US" dirty="0"/>
+            </a:br>
+            <a:r>
+              <a:rPr lang="en-US" dirty="0"/>
+              <a:t>height</a:t>
+            </a:r>
+            <a:br>
+              <a:rPr lang="en-US" dirty="0"/>
+            </a:br>
+            <a:br>
+              <a:rPr lang="en-US" dirty="0"/>
+            </a:br>
+            <a:endParaRPr lang="en-US" dirty="0"/>
+          </a:p>
+        </p:txBody>
+      </p:sp>
+    </p:spTree>
+    <p:extLst>
+      <p:ext uri="{BB962C8B-B14F-4D97-AF65-F5344CB8AC3E}">
+        <p14:creationId xmlns:p14="http://schemas.microsoft.com/office/powerpoint/2010/main" val="457219234"/>
+      </p:ext>
+    </p:extLst>
+  </p:cSld>
+  <p:clrMapOvr>
+    <a:masterClrMapping/>
+  </p:clrMapOvr>
+</p:sld>
+</file>
+
+<file path=ppt/slides/slide18.xml><?xml version="1.0" encoding="utf-8"?>
+<p:sld xmlns:a="http://schemas.openxmlformats.org/drawingml/2006/main" xmlns:r="http://schemas.openxmlformats.org/officeDocument/2006/relationships" xmlns:p="http://schemas.openxmlformats.org/presentationml/2006/main">
+  <p:cSld>
+    <p:spTree>
+      <p:nvGrpSpPr>
+        <p:cNvPr id="1" name=""/>
+        <p:cNvGrpSpPr/>
+        <p:nvPr/>
+      </p:nvGrpSpPr>
+      <p:grpSpPr>
+        <a:xfrm>
+          <a:off x="0" y="0"/>
+          <a:ext cx="0" cy="0"/>
+          <a:chOff x="0" y="0"/>
+          <a:chExt cx="0" cy="0"/>
+        </a:xfrm>
+      </p:grpSpPr>
+      <p:sp>
+        <p:nvSpPr>
+          <p:cNvPr id="2" name="Title 1">
+            <a:extLst>
+              <a:ext uri="{FF2B5EF4-FFF2-40B4-BE49-F238E27FC236}">
+                <a16:creationId xmlns:a16="http://schemas.microsoft.com/office/drawing/2014/main" id="{BBE1A431-B56F-334C-E1AE-C8913ED1DB76}"/>
+              </a:ext>
+            </a:extLst>
+          </p:cNvPr>
+          <p:cNvSpPr>
+            <a:spLocks noGrp="1"/>
+          </p:cNvSpPr>
+          <p:nvPr>
+            <p:ph type="title"/>
+          </p:nvPr>
+        </p:nvSpPr>
+        <p:spPr/>
+        <p:txBody>
+          <a:bodyPr/>
+          <a:lstStyle/>
+          <a:p>
+            <a:r>
+              <a:rPr lang="en-US" dirty="0"/>
+              <a:t>HTML</a:t>
+            </a:r>
+          </a:p>
+        </p:txBody>
+      </p:sp>
+      <p:sp>
+        <p:nvSpPr>
+          <p:cNvPr id="3" name="Content Placeholder 2">
+            <a:extLst>
+              <a:ext uri="{FF2B5EF4-FFF2-40B4-BE49-F238E27FC236}">
+                <a16:creationId xmlns:a16="http://schemas.microsoft.com/office/drawing/2014/main" id="{E81C997A-0843-6817-EFCE-E7091F2A5606}"/>
+              </a:ext>
+            </a:extLst>
+          </p:cNvPr>
+          <p:cNvSpPr>
+            <a:spLocks noGrp="1"/>
+          </p:cNvSpPr>
+          <p:nvPr>
+            <p:ph idx="1"/>
+          </p:nvPr>
+        </p:nvSpPr>
+        <p:spPr/>
+        <p:txBody>
+          <a:bodyPr/>
+          <a:lstStyle/>
+          <a:p>
+            <a:pPr marL="0" indent="0">
+              <a:buNone/>
+            </a:pPr>
+            <a:r>
+              <a:rPr lang="en-US" dirty="0"/>
+              <a:t>Preformatted &amp; Horizontal Rule</a:t>
+            </a:r>
+          </a:p>
+          <a:p>
+            <a:pPr marL="0" indent="0">
+              <a:buNone/>
+            </a:pPr>
+            <a:endParaRPr lang="en-US" dirty="0"/>
+          </a:p>
+          <a:p>
+            <a:pPr marL="0" indent="0">
+              <a:buNone/>
+            </a:pPr>
+            <a:r>
+              <a:rPr lang="en-US" dirty="0"/>
+              <a:t>Comment ( ctrl + / )</a:t>
+            </a:r>
+          </a:p>
+        </p:txBody>
+      </p:sp>
+    </p:spTree>
+    <p:extLst>
+      <p:ext uri="{BB962C8B-B14F-4D97-AF65-F5344CB8AC3E}">
+        <p14:creationId xmlns:p14="http://schemas.microsoft.com/office/powerpoint/2010/main" val="1659681337"/>
+      </p:ext>
+    </p:extLst>
+  </p:cSld>
+  <p:clrMapOvr>
+    <a:masterClrMapping/>
+  </p:clrMapOvr>
+</p:sld>
+</file>
+
+<file path=ppt/slides/slide19.xml><?xml version="1.0" encoding="utf-8"?>
+<p:sld xmlns:a="http://schemas.openxmlformats.org/drawingml/2006/main" xmlns:r="http://schemas.openxmlformats.org/officeDocument/2006/relationships" xmlns:p="http://schemas.openxmlformats.org/presentationml/2006/main">
+  <p:cSld>
+    <p:spTree>
+      <p:nvGrpSpPr>
+        <p:cNvPr id="1" name=""/>
+        <p:cNvGrpSpPr/>
+        <p:nvPr/>
+      </p:nvGrpSpPr>
+      <p:grpSpPr>
+        <a:xfrm>
+          <a:off x="0" y="0"/>
+          <a:ext cx="0" cy="0"/>
+          <a:chOff x="0" y="0"/>
+          <a:chExt cx="0" cy="0"/>
+        </a:xfrm>
+      </p:grpSpPr>
+      <p:sp>
+        <p:nvSpPr>
+          <p:cNvPr id="2" name="Title 1">
+            <a:extLst>
+              <a:ext uri="{FF2B5EF4-FFF2-40B4-BE49-F238E27FC236}">
+                <a16:creationId xmlns:a16="http://schemas.microsoft.com/office/drawing/2014/main" id="{98256564-9FD1-EFE7-6705-C4CB2E02363A}"/>
+              </a:ext>
+            </a:extLst>
+          </p:cNvPr>
+          <p:cNvSpPr>
+            <a:spLocks noGrp="1"/>
+          </p:cNvSpPr>
+          <p:nvPr>
+            <p:ph type="title"/>
+          </p:nvPr>
+        </p:nvSpPr>
+        <p:spPr/>
+        <p:txBody>
+          <a:bodyPr/>
+          <a:lstStyle/>
+          <a:p>
+            <a:r>
+              <a:rPr lang="en-US" dirty="0"/>
+              <a:t>HTML Image Tag</a:t>
+            </a:r>
+          </a:p>
+        </p:txBody>
+      </p:sp>
+    </p:spTree>
+    <p:extLst>
+      <p:ext uri="{BB962C8B-B14F-4D97-AF65-F5344CB8AC3E}">
+        <p14:creationId xmlns:p14="http://schemas.microsoft.com/office/powerpoint/2010/main" val="2910401296"/>
+      </p:ext>
+    </p:extLst>
+  </p:cSld>
+  <p:clrMapOvr>
+    <a:masterClrMapping/>
+  </p:clrMapOvr>
+</p:sld>
+</file>
+
 <file path=ppt/slides/slide2.xml><?xml version="1.0" encoding="utf-8"?>
 <p:sld xmlns:a="http://schemas.openxmlformats.org/drawingml/2006/main" xmlns:r="http://schemas.openxmlformats.org/officeDocument/2006/relationships" xmlns:p="http://schemas.openxmlformats.org/presentationml/2006/main">
   <p:cSld>
@@ -4811,6 +5105,156 @@
     <p:extLst>
       <p:ext uri="{BB962C8B-B14F-4D97-AF65-F5344CB8AC3E}">
         <p14:creationId xmlns:p14="http://schemas.microsoft.com/office/powerpoint/2010/main" val="648293512"/>
+      </p:ext>
+    </p:extLst>
+  </p:cSld>
+  <p:clrMapOvr>
+    <a:masterClrMapping/>
+  </p:clrMapOvr>
+</p:sld>
+</file>
+
+<file path=ppt/slides/slide20.xml><?xml version="1.0" encoding="utf-8"?>
+<p:sld xmlns:a="http://schemas.openxmlformats.org/drawingml/2006/main" xmlns:r="http://schemas.openxmlformats.org/officeDocument/2006/relationships" xmlns:p="http://schemas.openxmlformats.org/presentationml/2006/main">
+  <p:cSld>
+    <p:spTree>
+      <p:nvGrpSpPr>
+        <p:cNvPr id="1" name=""/>
+        <p:cNvGrpSpPr/>
+        <p:nvPr/>
+      </p:nvGrpSpPr>
+      <p:grpSpPr>
+        <a:xfrm>
+          <a:off x="0" y="0"/>
+          <a:ext cx="0" cy="0"/>
+          <a:chOff x="0" y="0"/>
+          <a:chExt cx="0" cy="0"/>
+        </a:xfrm>
+      </p:grpSpPr>
+      <p:sp>
+        <p:nvSpPr>
+          <p:cNvPr id="2" name="Title 1">
+            <a:extLst>
+              <a:ext uri="{FF2B5EF4-FFF2-40B4-BE49-F238E27FC236}">
+                <a16:creationId xmlns:a16="http://schemas.microsoft.com/office/drawing/2014/main" id="{69A6C7A3-F79A-A51D-9F2A-9F5863392C8A}"/>
+              </a:ext>
+            </a:extLst>
+          </p:cNvPr>
+          <p:cNvSpPr>
+            <a:spLocks noGrp="1"/>
+          </p:cNvSpPr>
+          <p:nvPr>
+            <p:ph type="title"/>
+          </p:nvPr>
+        </p:nvSpPr>
+        <p:spPr/>
+        <p:txBody>
+          <a:bodyPr/>
+          <a:lstStyle/>
+          <a:p>
+            <a:r>
+              <a:rPr lang="en-US" dirty="0"/>
+              <a:t>Anchor Tag</a:t>
+            </a:r>
+          </a:p>
+        </p:txBody>
+      </p:sp>
+      <p:sp>
+        <p:nvSpPr>
+          <p:cNvPr id="3" name="Content Placeholder 2">
+            <a:extLst>
+              <a:ext uri="{FF2B5EF4-FFF2-40B4-BE49-F238E27FC236}">
+                <a16:creationId xmlns:a16="http://schemas.microsoft.com/office/drawing/2014/main" id="{2F6B154F-76A8-FB9D-D931-A5F21D6CC131}"/>
+              </a:ext>
+            </a:extLst>
+          </p:cNvPr>
+          <p:cNvSpPr>
+            <a:spLocks noGrp="1"/>
+          </p:cNvSpPr>
+          <p:nvPr>
+            <p:ph idx="1"/>
+          </p:nvPr>
+        </p:nvSpPr>
+        <p:spPr/>
+        <p:txBody>
+          <a:bodyPr>
+            <a:normAutofit lnSpcReduction="10000"/>
+          </a:bodyPr>
+          <a:lstStyle/>
+          <a:p>
+            <a:r>
+              <a:rPr lang="en-US" dirty="0"/>
+              <a:t>External page link or Other site link</a:t>
+            </a:r>
+          </a:p>
+          <a:p>
+            <a:r>
+              <a:rPr lang="en-US" dirty="0"/>
+              <a:t>Internal Page link</a:t>
+            </a:r>
+          </a:p>
+          <a:p>
+            <a:r>
+              <a:rPr lang="en-US" dirty="0" err="1"/>
+              <a:t>Mailto</a:t>
+            </a:r>
+            <a:r>
+              <a:rPr lang="en-US" dirty="0"/>
+              <a:t> Link</a:t>
+            </a:r>
+          </a:p>
+          <a:p>
+            <a:endParaRPr lang="en-US" dirty="0"/>
+          </a:p>
+          <a:p>
+            <a:endParaRPr lang="en-US" dirty="0"/>
+          </a:p>
+          <a:p>
+            <a:r>
+              <a:rPr lang="en-US" dirty="0"/>
+              <a:t>First web page</a:t>
+            </a:r>
+          </a:p>
+          <a:p>
+            <a:r>
+              <a:rPr lang="en-US" dirty="0"/>
+              <a:t>Text Format</a:t>
+            </a:r>
+          </a:p>
+          <a:p>
+            <a:r>
+              <a:rPr lang="en-US" dirty="0" err="1"/>
+              <a:t>Ol</a:t>
+            </a:r>
+            <a:r>
+              <a:rPr lang="en-US" dirty="0"/>
+              <a:t> &amp; </a:t>
+            </a:r>
+            <a:r>
+              <a:rPr lang="en-US" dirty="0" err="1"/>
+              <a:t>ul</a:t>
+            </a:r>
+            <a:r>
+              <a:rPr lang="en-US" dirty="0"/>
+              <a:t> list</a:t>
+            </a:r>
+          </a:p>
+          <a:p>
+            <a:r>
+              <a:rPr lang="en-US" dirty="0" err="1"/>
+              <a:t>Image,anchor,hr</a:t>
+            </a:r>
+            <a:endParaRPr lang="en-US" dirty="0"/>
+          </a:p>
+          <a:p>
+            <a:endParaRPr lang="en-US" dirty="0"/>
+          </a:p>
+        </p:txBody>
+      </p:sp>
+    </p:spTree>
+    <p:extLst>
+      <p:ext uri="{BB962C8B-B14F-4D97-AF65-F5344CB8AC3E}">
+        <p14:creationId xmlns:p14="http://schemas.microsoft.com/office/powerpoint/2010/main" val="4239895949"/>
       </p:ext>
     </p:extLst>
   </p:cSld>

--- a/HTML.pptx
+++ b/HTML.pptx
@@ -25,6 +25,10 @@
     <p:sldId id="273" r:id="rId19"/>
     <p:sldId id="274" r:id="rId20"/>
     <p:sldId id="275" r:id="rId21"/>
+    <p:sldId id="276" r:id="rId22"/>
+    <p:sldId id="277" r:id="rId23"/>
+    <p:sldId id="278" r:id="rId24"/>
+    <p:sldId id="279" r:id="rId25"/>
   </p:sldIdLst>
   <p:sldSz cx="12192000" cy="6858000"/>
   <p:notesSz cx="6858000" cy="9144000"/>
@@ -278,7 +282,7 @@
           <a:p>
             <a:fld id="{B0277530-20B6-43B6-9066-60FB7ABFE3D9}" type="datetimeFigureOut">
               <a:rPr lang="en-US" smtClean="0"/>
-              <a:t>6/11/2024</a:t>
+              <a:t>6/14/2024</a:t>
             </a:fld>
             <a:endParaRPr lang="en-US"/>
           </a:p>
@@ -476,7 +480,7 @@
           <a:p>
             <a:fld id="{B0277530-20B6-43B6-9066-60FB7ABFE3D9}" type="datetimeFigureOut">
               <a:rPr lang="en-US" smtClean="0"/>
-              <a:t>6/11/2024</a:t>
+              <a:t>6/14/2024</a:t>
             </a:fld>
             <a:endParaRPr lang="en-US"/>
           </a:p>
@@ -684,7 +688,7 @@
           <a:p>
             <a:fld id="{B0277530-20B6-43B6-9066-60FB7ABFE3D9}" type="datetimeFigureOut">
               <a:rPr lang="en-US" smtClean="0"/>
-              <a:t>6/11/2024</a:t>
+              <a:t>6/14/2024</a:t>
             </a:fld>
             <a:endParaRPr lang="en-US"/>
           </a:p>
@@ -882,7 +886,7 @@
           <a:p>
             <a:fld id="{B0277530-20B6-43B6-9066-60FB7ABFE3D9}" type="datetimeFigureOut">
               <a:rPr lang="en-US" smtClean="0"/>
-              <a:t>6/11/2024</a:t>
+              <a:t>6/14/2024</a:t>
             </a:fld>
             <a:endParaRPr lang="en-US"/>
           </a:p>
@@ -1157,7 +1161,7 @@
           <a:p>
             <a:fld id="{B0277530-20B6-43B6-9066-60FB7ABFE3D9}" type="datetimeFigureOut">
               <a:rPr lang="en-US" smtClean="0"/>
-              <a:t>6/11/2024</a:t>
+              <a:t>6/14/2024</a:t>
             </a:fld>
             <a:endParaRPr lang="en-US"/>
           </a:p>
@@ -1422,7 +1426,7 @@
           <a:p>
             <a:fld id="{B0277530-20B6-43B6-9066-60FB7ABFE3D9}" type="datetimeFigureOut">
               <a:rPr lang="en-US" smtClean="0"/>
-              <a:t>6/11/2024</a:t>
+              <a:t>6/14/2024</a:t>
             </a:fld>
             <a:endParaRPr lang="en-US"/>
           </a:p>
@@ -1834,7 +1838,7 @@
           <a:p>
             <a:fld id="{B0277530-20B6-43B6-9066-60FB7ABFE3D9}" type="datetimeFigureOut">
               <a:rPr lang="en-US" smtClean="0"/>
-              <a:t>6/11/2024</a:t>
+              <a:t>6/14/2024</a:t>
             </a:fld>
             <a:endParaRPr lang="en-US"/>
           </a:p>
@@ -1975,7 +1979,7 @@
           <a:p>
             <a:fld id="{B0277530-20B6-43B6-9066-60FB7ABFE3D9}" type="datetimeFigureOut">
               <a:rPr lang="en-US" smtClean="0"/>
-              <a:t>6/11/2024</a:t>
+              <a:t>6/14/2024</a:t>
             </a:fld>
             <a:endParaRPr lang="en-US"/>
           </a:p>
@@ -2088,7 +2092,7 @@
           <a:p>
             <a:fld id="{B0277530-20B6-43B6-9066-60FB7ABFE3D9}" type="datetimeFigureOut">
               <a:rPr lang="en-US" smtClean="0"/>
-              <a:t>6/11/2024</a:t>
+              <a:t>6/14/2024</a:t>
             </a:fld>
             <a:endParaRPr lang="en-US"/>
           </a:p>
@@ -2399,7 +2403,7 @@
           <a:p>
             <a:fld id="{B0277530-20B6-43B6-9066-60FB7ABFE3D9}" type="datetimeFigureOut">
               <a:rPr lang="en-US" smtClean="0"/>
-              <a:t>6/11/2024</a:t>
+              <a:t>6/14/2024</a:t>
             </a:fld>
             <a:endParaRPr lang="en-US"/>
           </a:p>
@@ -2687,7 +2691,7 @@
           <a:p>
             <a:fld id="{B0277530-20B6-43B6-9066-60FB7ABFE3D9}" type="datetimeFigureOut">
               <a:rPr lang="en-US" smtClean="0"/>
-              <a:t>6/11/2024</a:t>
+              <a:t>6/14/2024</a:t>
             </a:fld>
             <a:endParaRPr lang="en-US"/>
           </a:p>
@@ -2928,7 +2932,7 @@
           <a:p>
             <a:fld id="{B0277530-20B6-43B6-9066-60FB7ABFE3D9}" type="datetimeFigureOut">
               <a:rPr lang="en-US" smtClean="0"/>
-              <a:t>6/11/2024</a:t>
+              <a:t>6/14/2024</a:t>
             </a:fld>
             <a:endParaRPr lang="en-US"/>
           </a:p>
@@ -5264,6 +5268,1384 @@
 </p:sld>
 </file>
 
+<file path=ppt/slides/slide21.xml><?xml version="1.0" encoding="utf-8"?>
+<p:sld xmlns:a="http://schemas.openxmlformats.org/drawingml/2006/main" xmlns:r="http://schemas.openxmlformats.org/officeDocument/2006/relationships" xmlns:p="http://schemas.openxmlformats.org/presentationml/2006/main">
+  <p:cSld>
+    <p:spTree>
+      <p:nvGrpSpPr>
+        <p:cNvPr id="1" name=""/>
+        <p:cNvGrpSpPr/>
+        <p:nvPr/>
+      </p:nvGrpSpPr>
+      <p:grpSpPr>
+        <a:xfrm>
+          <a:off x="0" y="0"/>
+          <a:ext cx="0" cy="0"/>
+          <a:chOff x="0" y="0"/>
+          <a:chExt cx="0" cy="0"/>
+        </a:xfrm>
+      </p:grpSpPr>
+      <p:sp>
+        <p:nvSpPr>
+          <p:cNvPr id="2" name="Title 1">
+            <a:extLst>
+              <a:ext uri="{FF2B5EF4-FFF2-40B4-BE49-F238E27FC236}">
+                <a16:creationId xmlns:a16="http://schemas.microsoft.com/office/drawing/2014/main" id="{0AA2D820-B91A-D582-7DB9-32C0CD8929AA}"/>
+              </a:ext>
+            </a:extLst>
+          </p:cNvPr>
+          <p:cNvSpPr>
+            <a:spLocks noGrp="1"/>
+          </p:cNvSpPr>
+          <p:nvPr>
+            <p:ph type="title"/>
+          </p:nvPr>
+        </p:nvSpPr>
+        <p:spPr/>
+        <p:txBody>
+          <a:bodyPr/>
+          <a:lstStyle/>
+          <a:p>
+            <a:r>
+              <a:rPr lang="en-US" dirty="0"/>
+              <a:t>Table Tag</a:t>
+            </a:r>
+          </a:p>
+        </p:txBody>
+      </p:sp>
+      <p:graphicFrame>
+        <p:nvGraphicFramePr>
+          <p:cNvPr id="4" name="Table 3">
+            <a:extLst>
+              <a:ext uri="{FF2B5EF4-FFF2-40B4-BE49-F238E27FC236}">
+                <a16:creationId xmlns:a16="http://schemas.microsoft.com/office/drawing/2014/main" id="{80FB720F-375A-21CF-4057-0F65F5E3C588}"/>
+              </a:ext>
+            </a:extLst>
+          </p:cNvPr>
+          <p:cNvGraphicFramePr>
+            <a:graphicFrameLocks noGrp="1"/>
+          </p:cNvGraphicFramePr>
+          <p:nvPr>
+            <p:extLst>
+              <p:ext uri="{D42A27DB-BD31-4B8C-83A1-F6EECF244321}">
+                <p14:modId xmlns:p14="http://schemas.microsoft.com/office/powerpoint/2010/main" val="3945490313"/>
+              </p:ext>
+            </p:extLst>
+          </p:nvPr>
+        </p:nvGraphicFramePr>
+        <p:xfrm>
+          <a:off x="1857829" y="2501900"/>
+          <a:ext cx="8128000" cy="1854200"/>
+        </p:xfrm>
+        <a:graphic>
+          <a:graphicData uri="http://schemas.openxmlformats.org/drawingml/2006/table">
+            <a:tbl>
+              <a:tblPr firstRow="1" bandRow="1">
+                <a:tableStyleId>{7DF18680-E054-41AD-8BC1-D1AEF772440D}</a:tableStyleId>
+              </a:tblPr>
+              <a:tblGrid>
+                <a:gridCol w="2032000">
+                  <a:extLst>
+                    <a:ext uri="{9D8B030D-6E8A-4147-A177-3AD203B41FA5}">
+                      <a16:colId xmlns:a16="http://schemas.microsoft.com/office/drawing/2014/main" val="2592625683"/>
+                    </a:ext>
+                  </a:extLst>
+                </a:gridCol>
+                <a:gridCol w="2032000">
+                  <a:extLst>
+                    <a:ext uri="{9D8B030D-6E8A-4147-A177-3AD203B41FA5}">
+                      <a16:colId xmlns:a16="http://schemas.microsoft.com/office/drawing/2014/main" val="2208638937"/>
+                    </a:ext>
+                  </a:extLst>
+                </a:gridCol>
+                <a:gridCol w="2032000">
+                  <a:extLst>
+                    <a:ext uri="{9D8B030D-6E8A-4147-A177-3AD203B41FA5}">
+                      <a16:colId xmlns:a16="http://schemas.microsoft.com/office/drawing/2014/main" val="2738016836"/>
+                    </a:ext>
+                  </a:extLst>
+                </a:gridCol>
+                <a:gridCol w="2032000">
+                  <a:extLst>
+                    <a:ext uri="{9D8B030D-6E8A-4147-A177-3AD203B41FA5}">
+                      <a16:colId xmlns:a16="http://schemas.microsoft.com/office/drawing/2014/main" val="174541450"/>
+                    </a:ext>
+                  </a:extLst>
+                </a:gridCol>
+              </a:tblGrid>
+              <a:tr h="370840">
+                <a:tc>
+                  <a:txBody>
+                    <a:bodyPr/>
+                    <a:lstStyle/>
+                    <a:p>
+                      <a:pPr algn="ctr"/>
+                      <a:r>
+                        <a:rPr lang="en-US" dirty="0"/>
+                        <a:t>Name</a:t>
+                      </a:r>
+                    </a:p>
+                  </a:txBody>
+                  <a:tcPr/>
+                </a:tc>
+                <a:tc>
+                  <a:txBody>
+                    <a:bodyPr/>
+                    <a:lstStyle/>
+                    <a:p>
+                      <a:pPr algn="ctr"/>
+                      <a:r>
+                        <a:rPr lang="en-US" dirty="0"/>
+                        <a:t>Class</a:t>
+                      </a:r>
+                    </a:p>
+                  </a:txBody>
+                  <a:tcPr/>
+                </a:tc>
+                <a:tc>
+                  <a:txBody>
+                    <a:bodyPr/>
+                    <a:lstStyle/>
+                    <a:p>
+                      <a:pPr algn="ctr"/>
+                      <a:r>
+                        <a:rPr lang="en-US" dirty="0"/>
+                        <a:t>Gender</a:t>
+                      </a:r>
+                    </a:p>
+                  </a:txBody>
+                  <a:tcPr/>
+                </a:tc>
+                <a:tc>
+                  <a:txBody>
+                    <a:bodyPr/>
+                    <a:lstStyle/>
+                    <a:p>
+                      <a:pPr algn="ctr"/>
+                      <a:r>
+                        <a:rPr lang="en-US" dirty="0"/>
+                        <a:t>Percentage</a:t>
+                      </a:r>
+                    </a:p>
+                  </a:txBody>
+                  <a:tcPr/>
+                </a:tc>
+                <a:extLst>
+                  <a:ext uri="{0D108BD9-81ED-4DB2-BD59-A6C34878D82A}">
+                    <a16:rowId xmlns:a16="http://schemas.microsoft.com/office/drawing/2014/main" val="3776792364"/>
+                  </a:ext>
+                </a:extLst>
+              </a:tr>
+              <a:tr h="370840">
+                <a:tc>
+                  <a:txBody>
+                    <a:bodyPr/>
+                    <a:lstStyle/>
+                    <a:p>
+                      <a:pPr algn="ctr"/>
+                      <a:r>
+                        <a:rPr lang="en-US" dirty="0"/>
+                        <a:t>John</a:t>
+                      </a:r>
+                    </a:p>
+                  </a:txBody>
+                  <a:tcPr/>
+                </a:tc>
+                <a:tc>
+                  <a:txBody>
+                    <a:bodyPr/>
+                    <a:lstStyle/>
+                    <a:p>
+                      <a:pPr algn="ctr"/>
+                      <a:r>
+                        <a:rPr lang="en-US" dirty="0"/>
+                        <a:t>12</a:t>
+                      </a:r>
+                      <a:r>
+                        <a:rPr lang="en-US" baseline="30000" dirty="0"/>
+                        <a:t>th</a:t>
+                      </a:r>
+                      <a:endParaRPr lang="en-US" dirty="0"/>
+                    </a:p>
+                  </a:txBody>
+                  <a:tcPr/>
+                </a:tc>
+                <a:tc>
+                  <a:txBody>
+                    <a:bodyPr/>
+                    <a:lstStyle/>
+                    <a:p>
+                      <a:pPr algn="ctr"/>
+                      <a:r>
+                        <a:rPr lang="en-US" dirty="0"/>
+                        <a:t>Male </a:t>
+                      </a:r>
+                    </a:p>
+                  </a:txBody>
+                  <a:tcPr/>
+                </a:tc>
+                <a:tc>
+                  <a:txBody>
+                    <a:bodyPr/>
+                    <a:lstStyle/>
+                    <a:p>
+                      <a:pPr algn="ctr"/>
+                      <a:r>
+                        <a:rPr lang="en-US" dirty="0"/>
+                        <a:t>85%</a:t>
+                      </a:r>
+                    </a:p>
+                  </a:txBody>
+                  <a:tcPr/>
+                </a:tc>
+                <a:extLst>
+                  <a:ext uri="{0D108BD9-81ED-4DB2-BD59-A6C34878D82A}">
+                    <a16:rowId xmlns:a16="http://schemas.microsoft.com/office/drawing/2014/main" val="906900526"/>
+                  </a:ext>
+                </a:extLst>
+              </a:tr>
+              <a:tr h="370840">
+                <a:tc>
+                  <a:txBody>
+                    <a:bodyPr/>
+                    <a:lstStyle/>
+                    <a:p>
+                      <a:pPr algn="ctr"/>
+                      <a:r>
+                        <a:rPr lang="en-US" dirty="0"/>
+                        <a:t>Steve</a:t>
+                      </a:r>
+                    </a:p>
+                  </a:txBody>
+                  <a:tcPr/>
+                </a:tc>
+                <a:tc>
+                  <a:txBody>
+                    <a:bodyPr/>
+                    <a:lstStyle/>
+                    <a:p>
+                      <a:pPr algn="ctr"/>
+                      <a:r>
+                        <a:rPr lang="en-US" dirty="0"/>
+                        <a:t>12</a:t>
+                      </a:r>
+                      <a:r>
+                        <a:rPr lang="en-US" baseline="30000" dirty="0"/>
+                        <a:t>th</a:t>
+                      </a:r>
+                      <a:endParaRPr lang="en-US" dirty="0"/>
+                    </a:p>
+                  </a:txBody>
+                  <a:tcPr/>
+                </a:tc>
+                <a:tc>
+                  <a:txBody>
+                    <a:bodyPr/>
+                    <a:lstStyle/>
+                    <a:p>
+                      <a:pPr algn="ctr"/>
+                      <a:r>
+                        <a:rPr lang="en-US" dirty="0"/>
+                        <a:t>Male</a:t>
+                      </a:r>
+                    </a:p>
+                  </a:txBody>
+                  <a:tcPr/>
+                </a:tc>
+                <a:tc>
+                  <a:txBody>
+                    <a:bodyPr/>
+                    <a:lstStyle/>
+                    <a:p>
+                      <a:pPr algn="ctr"/>
+                      <a:r>
+                        <a:rPr lang="en-US" dirty="0"/>
+                        <a:t>66.5%</a:t>
+                      </a:r>
+                    </a:p>
+                  </a:txBody>
+                  <a:tcPr/>
+                </a:tc>
+                <a:extLst>
+                  <a:ext uri="{0D108BD9-81ED-4DB2-BD59-A6C34878D82A}">
+                    <a16:rowId xmlns:a16="http://schemas.microsoft.com/office/drawing/2014/main" val="3215972532"/>
+                  </a:ext>
+                </a:extLst>
+              </a:tr>
+              <a:tr h="370840">
+                <a:tc>
+                  <a:txBody>
+                    <a:bodyPr/>
+                    <a:lstStyle/>
+                    <a:p>
+                      <a:pPr algn="ctr"/>
+                      <a:r>
+                        <a:rPr lang="en-US" dirty="0"/>
+                        <a:t>Bill</a:t>
+                      </a:r>
+                    </a:p>
+                  </a:txBody>
+                  <a:tcPr/>
+                </a:tc>
+                <a:tc>
+                  <a:txBody>
+                    <a:bodyPr/>
+                    <a:lstStyle/>
+                    <a:p>
+                      <a:pPr algn="ctr"/>
+                      <a:r>
+                        <a:rPr lang="en-US" dirty="0"/>
+                        <a:t>12</a:t>
+                      </a:r>
+                      <a:r>
+                        <a:rPr lang="en-US" baseline="30000" dirty="0"/>
+                        <a:t>th</a:t>
+                      </a:r>
+                      <a:endParaRPr lang="en-US" dirty="0"/>
+                    </a:p>
+                  </a:txBody>
+                  <a:tcPr/>
+                </a:tc>
+                <a:tc>
+                  <a:txBody>
+                    <a:bodyPr/>
+                    <a:lstStyle/>
+                    <a:p>
+                      <a:pPr algn="ctr"/>
+                      <a:r>
+                        <a:rPr lang="en-US" dirty="0"/>
+                        <a:t>Male</a:t>
+                      </a:r>
+                    </a:p>
+                  </a:txBody>
+                  <a:tcPr/>
+                </a:tc>
+                <a:tc>
+                  <a:txBody>
+                    <a:bodyPr/>
+                    <a:lstStyle/>
+                    <a:p>
+                      <a:pPr algn="ctr"/>
+                      <a:r>
+                        <a:rPr lang="en-US" dirty="0"/>
+                        <a:t>74%</a:t>
+                      </a:r>
+                    </a:p>
+                  </a:txBody>
+                  <a:tcPr/>
+                </a:tc>
+                <a:extLst>
+                  <a:ext uri="{0D108BD9-81ED-4DB2-BD59-A6C34878D82A}">
+                    <a16:rowId xmlns:a16="http://schemas.microsoft.com/office/drawing/2014/main" val="3621469644"/>
+                  </a:ext>
+                </a:extLst>
+              </a:tr>
+              <a:tr h="370840">
+                <a:tc>
+                  <a:txBody>
+                    <a:bodyPr/>
+                    <a:lstStyle/>
+                    <a:p>
+                      <a:pPr algn="ctr"/>
+                      <a:r>
+                        <a:rPr lang="en-US" dirty="0"/>
+                        <a:t>Merry</a:t>
+                      </a:r>
+                    </a:p>
+                  </a:txBody>
+                  <a:tcPr/>
+                </a:tc>
+                <a:tc>
+                  <a:txBody>
+                    <a:bodyPr/>
+                    <a:lstStyle/>
+                    <a:p>
+                      <a:pPr algn="ctr"/>
+                      <a:r>
+                        <a:rPr lang="en-US" dirty="0"/>
+                        <a:t>12</a:t>
+                      </a:r>
+                      <a:r>
+                        <a:rPr lang="en-US" baseline="30000" dirty="0"/>
+                        <a:t>th</a:t>
+                      </a:r>
+                      <a:endParaRPr lang="en-US" dirty="0"/>
+                    </a:p>
+                  </a:txBody>
+                  <a:tcPr/>
+                </a:tc>
+                <a:tc>
+                  <a:txBody>
+                    <a:bodyPr/>
+                    <a:lstStyle/>
+                    <a:p>
+                      <a:pPr algn="ctr"/>
+                      <a:r>
+                        <a:rPr lang="en-US" dirty="0"/>
+                        <a:t>Female</a:t>
+                      </a:r>
+                    </a:p>
+                  </a:txBody>
+                  <a:tcPr/>
+                </a:tc>
+                <a:tc>
+                  <a:txBody>
+                    <a:bodyPr/>
+                    <a:lstStyle/>
+                    <a:p>
+                      <a:pPr algn="ctr"/>
+                      <a:r>
+                        <a:rPr lang="en-US" dirty="0"/>
+                        <a:t>85%</a:t>
+                      </a:r>
+                    </a:p>
+                  </a:txBody>
+                  <a:tcPr/>
+                </a:tc>
+                <a:extLst>
+                  <a:ext uri="{0D108BD9-81ED-4DB2-BD59-A6C34878D82A}">
+                    <a16:rowId xmlns:a16="http://schemas.microsoft.com/office/drawing/2014/main" val="2712845783"/>
+                  </a:ext>
+                </a:extLst>
+              </a:tr>
+            </a:tbl>
+          </a:graphicData>
+        </a:graphic>
+      </p:graphicFrame>
+      <p:sp>
+        <p:nvSpPr>
+          <p:cNvPr id="5" name="TextBox 4">
+            <a:extLst>
+              <a:ext uri="{FF2B5EF4-FFF2-40B4-BE49-F238E27FC236}">
+                <a16:creationId xmlns:a16="http://schemas.microsoft.com/office/drawing/2014/main" id="{657805ED-6AD7-6E97-1DCA-C6F5431F8D89}"/>
+              </a:ext>
+            </a:extLst>
+          </p:cNvPr>
+          <p:cNvSpPr txBox="1"/>
+          <p:nvPr/>
+        </p:nvSpPr>
+        <p:spPr>
+          <a:xfrm>
+            <a:off x="566057" y="2501900"/>
+            <a:ext cx="1138838" cy="369332"/>
+          </a:xfrm>
+          <a:prstGeom prst="rect">
+            <a:avLst/>
+          </a:prstGeom>
+          <a:noFill/>
+        </p:spPr>
+        <p:txBody>
+          <a:bodyPr wrap="none" rtlCol="0">
+            <a:spAutoFit/>
+          </a:bodyPr>
+          <a:lstStyle/>
+          <a:p>
+            <a:r>
+              <a:rPr lang="en-US" dirty="0"/>
+              <a:t>Table Row</a:t>
+            </a:r>
+          </a:p>
+        </p:txBody>
+      </p:sp>
+    </p:spTree>
+    <p:extLst>
+      <p:ext uri="{BB962C8B-B14F-4D97-AF65-F5344CB8AC3E}">
+        <p14:creationId xmlns:p14="http://schemas.microsoft.com/office/powerpoint/2010/main" val="4155676455"/>
+      </p:ext>
+    </p:extLst>
+  </p:cSld>
+  <p:clrMapOvr>
+    <a:masterClrMapping/>
+  </p:clrMapOvr>
+</p:sld>
+</file>
+
+<file path=ppt/slides/slide22.xml><?xml version="1.0" encoding="utf-8"?>
+<p:sld xmlns:a="http://schemas.openxmlformats.org/drawingml/2006/main" xmlns:r="http://schemas.openxmlformats.org/officeDocument/2006/relationships" xmlns:p="http://schemas.openxmlformats.org/presentationml/2006/main">
+  <p:cSld>
+    <p:spTree>
+      <p:nvGrpSpPr>
+        <p:cNvPr id="1" name=""/>
+        <p:cNvGrpSpPr/>
+        <p:nvPr/>
+      </p:nvGrpSpPr>
+      <p:grpSpPr>
+        <a:xfrm>
+          <a:off x="0" y="0"/>
+          <a:ext cx="0" cy="0"/>
+          <a:chOff x="0" y="0"/>
+          <a:chExt cx="0" cy="0"/>
+        </a:xfrm>
+      </p:grpSpPr>
+      <p:sp>
+        <p:nvSpPr>
+          <p:cNvPr id="2" name="Title 1">
+            <a:extLst>
+              <a:ext uri="{FF2B5EF4-FFF2-40B4-BE49-F238E27FC236}">
+                <a16:creationId xmlns:a16="http://schemas.microsoft.com/office/drawing/2014/main" id="{71A5D194-17E7-A5B3-7C97-26D1D02903E7}"/>
+              </a:ext>
+            </a:extLst>
+          </p:cNvPr>
+          <p:cNvSpPr>
+            <a:spLocks noGrp="1"/>
+          </p:cNvSpPr>
+          <p:nvPr>
+            <p:ph type="title"/>
+          </p:nvPr>
+        </p:nvSpPr>
+        <p:spPr/>
+        <p:txBody>
+          <a:bodyPr/>
+          <a:lstStyle/>
+          <a:p>
+            <a:r>
+              <a:rPr lang="en-US" dirty="0"/>
+              <a:t>Table</a:t>
+            </a:r>
+          </a:p>
+        </p:txBody>
+      </p:sp>
+      <p:sp>
+        <p:nvSpPr>
+          <p:cNvPr id="3" name="Content Placeholder 2">
+            <a:extLst>
+              <a:ext uri="{FF2B5EF4-FFF2-40B4-BE49-F238E27FC236}">
+                <a16:creationId xmlns:a16="http://schemas.microsoft.com/office/drawing/2014/main" id="{8970871A-97EB-1E05-01A2-1D7D6E241A3D}"/>
+              </a:ext>
+            </a:extLst>
+          </p:cNvPr>
+          <p:cNvSpPr>
+            <a:spLocks noGrp="1"/>
+          </p:cNvSpPr>
+          <p:nvPr>
+            <p:ph idx="1"/>
+          </p:nvPr>
+        </p:nvSpPr>
+        <p:spPr/>
+        <p:txBody>
+          <a:bodyPr/>
+          <a:lstStyle/>
+          <a:p>
+            <a:pPr marL="0" indent="0">
+              <a:buNone/>
+            </a:pPr>
+            <a:r>
+              <a:rPr lang="en-US" dirty="0"/>
+              <a:t>Border</a:t>
+            </a:r>
+          </a:p>
+          <a:p>
+            <a:pPr marL="0" indent="0">
+              <a:buNone/>
+            </a:pPr>
+            <a:r>
+              <a:rPr lang="en-US" dirty="0"/>
+              <a:t>Width</a:t>
+            </a:r>
+          </a:p>
+          <a:p>
+            <a:pPr marL="0" indent="0">
+              <a:buNone/>
+            </a:pPr>
+            <a:r>
+              <a:rPr lang="en-US" dirty="0"/>
+              <a:t>Hight</a:t>
+            </a:r>
+          </a:p>
+          <a:p>
+            <a:pPr marL="0" indent="0">
+              <a:buNone/>
+            </a:pPr>
+            <a:r>
+              <a:rPr lang="en-US" dirty="0" err="1"/>
+              <a:t>Valign</a:t>
+            </a:r>
+            <a:endParaRPr lang="en-US" dirty="0"/>
+          </a:p>
+          <a:p>
+            <a:pPr marL="0" indent="0">
+              <a:buNone/>
+            </a:pPr>
+            <a:r>
+              <a:rPr lang="en-US" dirty="0"/>
+              <a:t>Cellpadding</a:t>
+            </a:r>
+          </a:p>
+          <a:p>
+            <a:pPr marL="0" indent="0">
+              <a:buNone/>
+            </a:pPr>
+            <a:r>
+              <a:rPr lang="en-US" dirty="0" err="1"/>
+              <a:t>Cellspacing</a:t>
+            </a:r>
+            <a:endParaRPr lang="en-US" dirty="0"/>
+          </a:p>
+          <a:p>
+            <a:pPr marL="0" indent="0">
+              <a:buNone/>
+            </a:pPr>
+            <a:endParaRPr lang="en-US" dirty="0"/>
+          </a:p>
+        </p:txBody>
+      </p:sp>
+    </p:spTree>
+    <p:extLst>
+      <p:ext uri="{BB962C8B-B14F-4D97-AF65-F5344CB8AC3E}">
+        <p14:creationId xmlns:p14="http://schemas.microsoft.com/office/powerpoint/2010/main" val="1191618630"/>
+      </p:ext>
+    </p:extLst>
+  </p:cSld>
+  <p:clrMapOvr>
+    <a:masterClrMapping/>
+  </p:clrMapOvr>
+</p:sld>
+</file>
+
+<file path=ppt/slides/slide23.xml><?xml version="1.0" encoding="utf-8"?>
+<p:sld xmlns:a="http://schemas.openxmlformats.org/drawingml/2006/main" xmlns:r="http://schemas.openxmlformats.org/officeDocument/2006/relationships" xmlns:p="http://schemas.openxmlformats.org/presentationml/2006/main">
+  <p:cSld>
+    <p:spTree>
+      <p:nvGrpSpPr>
+        <p:cNvPr id="1" name=""/>
+        <p:cNvGrpSpPr/>
+        <p:nvPr/>
+      </p:nvGrpSpPr>
+      <p:grpSpPr>
+        <a:xfrm>
+          <a:off x="0" y="0"/>
+          <a:ext cx="0" cy="0"/>
+          <a:chOff x="0" y="0"/>
+          <a:chExt cx="0" cy="0"/>
+        </a:xfrm>
+      </p:grpSpPr>
+      <p:graphicFrame>
+        <p:nvGraphicFramePr>
+          <p:cNvPr id="7" name="Table 6">
+            <a:extLst>
+              <a:ext uri="{FF2B5EF4-FFF2-40B4-BE49-F238E27FC236}">
+                <a16:creationId xmlns:a16="http://schemas.microsoft.com/office/drawing/2014/main" id="{C6F479EB-F58A-8BFC-1C90-C1B9868D3775}"/>
+              </a:ext>
+            </a:extLst>
+          </p:cNvPr>
+          <p:cNvGraphicFramePr>
+            <a:graphicFrameLocks noGrp="1"/>
+          </p:cNvGraphicFramePr>
+          <p:nvPr>
+            <p:extLst>
+              <p:ext uri="{D42A27DB-BD31-4B8C-83A1-F6EECF244321}">
+                <p14:modId xmlns:p14="http://schemas.microsoft.com/office/powerpoint/2010/main" val="4030086506"/>
+              </p:ext>
+            </p:extLst>
+          </p:nvPr>
+        </p:nvGraphicFramePr>
+        <p:xfrm>
+          <a:off x="2365829" y="2872740"/>
+          <a:ext cx="8128000" cy="1112520"/>
+        </p:xfrm>
+        <a:graphic>
+          <a:graphicData uri="http://schemas.openxmlformats.org/drawingml/2006/table">
+            <a:tbl>
+              <a:tblPr firstRow="1" bandRow="1">
+                <a:tableStyleId>{5C22544A-7EE6-4342-B048-85BDC9FD1C3A}</a:tableStyleId>
+              </a:tblPr>
+              <a:tblGrid>
+                <a:gridCol w="4064000">
+                  <a:extLst>
+                    <a:ext uri="{9D8B030D-6E8A-4147-A177-3AD203B41FA5}">
+                      <a16:colId xmlns:a16="http://schemas.microsoft.com/office/drawing/2014/main" val="4095287302"/>
+                    </a:ext>
+                  </a:extLst>
+                </a:gridCol>
+                <a:gridCol w="4064000">
+                  <a:extLst>
+                    <a:ext uri="{9D8B030D-6E8A-4147-A177-3AD203B41FA5}">
+                      <a16:colId xmlns:a16="http://schemas.microsoft.com/office/drawing/2014/main" val="349771232"/>
+                    </a:ext>
+                  </a:extLst>
+                </a:gridCol>
+              </a:tblGrid>
+              <a:tr h="370840">
+                <a:tc gridSpan="2">
+                  <a:txBody>
+                    <a:bodyPr/>
+                    <a:lstStyle/>
+                    <a:p>
+                      <a:pPr algn="ctr"/>
+                      <a:r>
+                        <a:rPr lang="en-US" dirty="0" err="1"/>
+                        <a:t>Colspan</a:t>
+                      </a:r>
+                      <a:endParaRPr lang="en-US" dirty="0"/>
+                    </a:p>
+                  </a:txBody>
+                  <a:tcPr/>
+                </a:tc>
+                <a:tc hMerge="1">
+                  <a:txBody>
+                    <a:bodyPr/>
+                    <a:lstStyle/>
+                    <a:p>
+                      <a:endParaRPr lang="en-US" dirty="0"/>
+                    </a:p>
+                  </a:txBody>
+                  <a:tcPr/>
+                </a:tc>
+                <a:extLst>
+                  <a:ext uri="{0D108BD9-81ED-4DB2-BD59-A6C34878D82A}">
+                    <a16:rowId xmlns:a16="http://schemas.microsoft.com/office/drawing/2014/main" val="2325236717"/>
+                  </a:ext>
+                </a:extLst>
+              </a:tr>
+              <a:tr h="370840">
+                <a:tc rowSpan="2">
+                  <a:txBody>
+                    <a:bodyPr/>
+                    <a:lstStyle/>
+                    <a:p>
+                      <a:pPr algn="ctr"/>
+                      <a:r>
+                        <a:rPr lang="en-US" dirty="0" err="1"/>
+                        <a:t>Rowspan</a:t>
+                      </a:r>
+                      <a:endParaRPr lang="en-US" dirty="0"/>
+                    </a:p>
+                  </a:txBody>
+                  <a:tcPr/>
+                </a:tc>
+                <a:tc>
+                  <a:txBody>
+                    <a:bodyPr/>
+                    <a:lstStyle/>
+                    <a:p>
+                      <a:endParaRPr lang="en-US" dirty="0"/>
+                    </a:p>
+                  </a:txBody>
+                  <a:tcPr/>
+                </a:tc>
+                <a:extLst>
+                  <a:ext uri="{0D108BD9-81ED-4DB2-BD59-A6C34878D82A}">
+                    <a16:rowId xmlns:a16="http://schemas.microsoft.com/office/drawing/2014/main" val="2080297983"/>
+                  </a:ext>
+                </a:extLst>
+              </a:tr>
+              <a:tr h="370840">
+                <a:tc vMerge="1">
+                  <a:txBody>
+                    <a:bodyPr/>
+                    <a:lstStyle/>
+                    <a:p>
+                      <a:endParaRPr lang="en-US" dirty="0"/>
+                    </a:p>
+                  </a:txBody>
+                  <a:tcPr/>
+                </a:tc>
+                <a:tc>
+                  <a:txBody>
+                    <a:bodyPr/>
+                    <a:lstStyle/>
+                    <a:p>
+                      <a:endParaRPr lang="en-US" dirty="0"/>
+                    </a:p>
+                  </a:txBody>
+                  <a:tcPr/>
+                </a:tc>
+                <a:extLst>
+                  <a:ext uri="{0D108BD9-81ED-4DB2-BD59-A6C34878D82A}">
+                    <a16:rowId xmlns:a16="http://schemas.microsoft.com/office/drawing/2014/main" val="1017028303"/>
+                  </a:ext>
+                </a:extLst>
+              </a:tr>
+            </a:tbl>
+          </a:graphicData>
+        </a:graphic>
+      </p:graphicFrame>
+      <p:sp>
+        <p:nvSpPr>
+          <p:cNvPr id="8" name="Arrow: Right 7">
+            <a:extLst>
+              <a:ext uri="{FF2B5EF4-FFF2-40B4-BE49-F238E27FC236}">
+                <a16:creationId xmlns:a16="http://schemas.microsoft.com/office/drawing/2014/main" id="{4CA219FD-5CAE-73FF-329D-BFD42496978A}"/>
+              </a:ext>
+            </a:extLst>
+          </p:cNvPr>
+          <p:cNvSpPr/>
+          <p:nvPr/>
+        </p:nvSpPr>
+        <p:spPr>
+          <a:xfrm>
+            <a:off x="537029" y="3429000"/>
+            <a:ext cx="1407885" cy="556260"/>
+          </a:xfrm>
+          <a:prstGeom prst="rightArrow">
+            <a:avLst/>
+          </a:prstGeom>
+        </p:spPr>
+        <p:style>
+          <a:lnRef idx="2">
+            <a:schemeClr val="accent1">
+              <a:shade val="15000"/>
+            </a:schemeClr>
+          </a:lnRef>
+          <a:fillRef idx="1">
+            <a:schemeClr val="accent1"/>
+          </a:fillRef>
+          <a:effectRef idx="0">
+            <a:schemeClr val="accent1"/>
+          </a:effectRef>
+          <a:fontRef idx="minor">
+            <a:schemeClr val="lt1"/>
+          </a:fontRef>
+        </p:style>
+        <p:txBody>
+          <a:bodyPr rtlCol="0" anchor="ctr"/>
+          <a:lstStyle/>
+          <a:p>
+            <a:pPr algn="ctr"/>
+            <a:endParaRPr lang="en-US"/>
+          </a:p>
+        </p:txBody>
+      </p:sp>
+      <p:sp>
+        <p:nvSpPr>
+          <p:cNvPr id="9" name="Arrow: Down 8">
+            <a:extLst>
+              <a:ext uri="{FF2B5EF4-FFF2-40B4-BE49-F238E27FC236}">
+                <a16:creationId xmlns:a16="http://schemas.microsoft.com/office/drawing/2014/main" id="{1B4AE036-3760-4014-7620-5EBC3324C8B2}"/>
+              </a:ext>
+            </a:extLst>
+          </p:cNvPr>
+          <p:cNvSpPr/>
+          <p:nvPr/>
+        </p:nvSpPr>
+        <p:spPr>
+          <a:xfrm>
+            <a:off x="5617029" y="1393371"/>
+            <a:ext cx="841828" cy="1349829"/>
+          </a:xfrm>
+          <a:prstGeom prst="downArrow">
+            <a:avLst/>
+          </a:prstGeom>
+        </p:spPr>
+        <p:style>
+          <a:lnRef idx="2">
+            <a:schemeClr val="accent1">
+              <a:shade val="15000"/>
+            </a:schemeClr>
+          </a:lnRef>
+          <a:fillRef idx="1">
+            <a:schemeClr val="accent1"/>
+          </a:fillRef>
+          <a:effectRef idx="0">
+            <a:schemeClr val="accent1"/>
+          </a:effectRef>
+          <a:fontRef idx="minor">
+            <a:schemeClr val="lt1"/>
+          </a:fontRef>
+        </p:style>
+        <p:txBody>
+          <a:bodyPr rtlCol="0" anchor="ctr"/>
+          <a:lstStyle/>
+          <a:p>
+            <a:pPr algn="ctr"/>
+            <a:endParaRPr lang="en-US"/>
+          </a:p>
+        </p:txBody>
+      </p:sp>
+    </p:spTree>
+    <p:extLst>
+      <p:ext uri="{BB962C8B-B14F-4D97-AF65-F5344CB8AC3E}">
+        <p14:creationId xmlns:p14="http://schemas.microsoft.com/office/powerpoint/2010/main" val="1753662691"/>
+      </p:ext>
+    </p:extLst>
+  </p:cSld>
+  <p:clrMapOvr>
+    <a:masterClrMapping/>
+  </p:clrMapOvr>
+</p:sld>
+</file>
+
+<file path=ppt/slides/slide24.xml><?xml version="1.0" encoding="utf-8"?>
+<p:sld xmlns:a="http://schemas.openxmlformats.org/drawingml/2006/main" xmlns:r="http://schemas.openxmlformats.org/officeDocument/2006/relationships" xmlns:p="http://schemas.openxmlformats.org/presentationml/2006/main">
+  <p:cSld>
+    <p:spTree>
+      <p:nvGrpSpPr>
+        <p:cNvPr id="1" name=""/>
+        <p:cNvGrpSpPr/>
+        <p:nvPr/>
+      </p:nvGrpSpPr>
+      <p:grpSpPr>
+        <a:xfrm>
+          <a:off x="0" y="0"/>
+          <a:ext cx="0" cy="0"/>
+          <a:chOff x="0" y="0"/>
+          <a:chExt cx="0" cy="0"/>
+        </a:xfrm>
+      </p:grpSpPr>
+      <p:sp>
+        <p:nvSpPr>
+          <p:cNvPr id="4" name="Rectangle 3">
+            <a:extLst>
+              <a:ext uri="{FF2B5EF4-FFF2-40B4-BE49-F238E27FC236}">
+                <a16:creationId xmlns:a16="http://schemas.microsoft.com/office/drawing/2014/main" id="{97655B36-E738-CA88-D714-EA17D6225F0E}"/>
+              </a:ext>
+            </a:extLst>
+          </p:cNvPr>
+          <p:cNvSpPr/>
+          <p:nvPr/>
+        </p:nvSpPr>
+        <p:spPr>
+          <a:xfrm>
+            <a:off x="1567542" y="1407885"/>
+            <a:ext cx="10029371" cy="5181601"/>
+          </a:xfrm>
+          <a:prstGeom prst="rect">
+            <a:avLst/>
+          </a:prstGeom>
+        </p:spPr>
+        <p:style>
+          <a:lnRef idx="2">
+            <a:schemeClr val="accent6"/>
+          </a:lnRef>
+          <a:fillRef idx="1">
+            <a:schemeClr val="lt1"/>
+          </a:fillRef>
+          <a:effectRef idx="0">
+            <a:schemeClr val="accent6"/>
+          </a:effectRef>
+          <a:fontRef idx="minor">
+            <a:schemeClr val="dk1"/>
+          </a:fontRef>
+        </p:style>
+        <p:txBody>
+          <a:bodyPr rtlCol="0" anchor="ctr"/>
+          <a:lstStyle/>
+          <a:p>
+            <a:pPr algn="ctr"/>
+            <a:endParaRPr lang="en-US" dirty="0"/>
+          </a:p>
+        </p:txBody>
+      </p:sp>
+      <p:cxnSp>
+        <p:nvCxnSpPr>
+          <p:cNvPr id="6" name="Straight Connector 5">
+            <a:extLst>
+              <a:ext uri="{FF2B5EF4-FFF2-40B4-BE49-F238E27FC236}">
+                <a16:creationId xmlns:a16="http://schemas.microsoft.com/office/drawing/2014/main" id="{78F0003E-E980-FBFE-8DB2-10E683483995}"/>
+              </a:ext>
+            </a:extLst>
+          </p:cNvPr>
+          <p:cNvCxnSpPr>
+            <a:cxnSpLocks/>
+          </p:cNvCxnSpPr>
+          <p:nvPr/>
+        </p:nvCxnSpPr>
+        <p:spPr>
+          <a:xfrm>
+            <a:off x="1567542" y="2583538"/>
+            <a:ext cx="10029372" cy="0"/>
+          </a:xfrm>
+          <a:prstGeom prst="line">
+            <a:avLst/>
+          </a:prstGeom>
+        </p:spPr>
+        <p:style>
+          <a:lnRef idx="1">
+            <a:schemeClr val="dk1"/>
+          </a:lnRef>
+          <a:fillRef idx="0">
+            <a:schemeClr val="dk1"/>
+          </a:fillRef>
+          <a:effectRef idx="0">
+            <a:schemeClr val="dk1"/>
+          </a:effectRef>
+          <a:fontRef idx="minor">
+            <a:schemeClr val="tx1"/>
+          </a:fontRef>
+        </p:style>
+      </p:cxnSp>
+      <p:cxnSp>
+        <p:nvCxnSpPr>
+          <p:cNvPr id="8" name="Straight Connector 7">
+            <a:extLst>
+              <a:ext uri="{FF2B5EF4-FFF2-40B4-BE49-F238E27FC236}">
+                <a16:creationId xmlns:a16="http://schemas.microsoft.com/office/drawing/2014/main" id="{696D5864-BA1C-0847-5A86-50AD6626044D}"/>
+              </a:ext>
+            </a:extLst>
+          </p:cNvPr>
+          <p:cNvCxnSpPr>
+            <a:cxnSpLocks/>
+          </p:cNvCxnSpPr>
+          <p:nvPr/>
+        </p:nvCxnSpPr>
+        <p:spPr>
+          <a:xfrm>
+            <a:off x="1567542" y="2989938"/>
+            <a:ext cx="10029372" cy="0"/>
+          </a:xfrm>
+          <a:prstGeom prst="line">
+            <a:avLst/>
+          </a:prstGeom>
+        </p:spPr>
+        <p:style>
+          <a:lnRef idx="1">
+            <a:schemeClr val="dk1"/>
+          </a:lnRef>
+          <a:fillRef idx="0">
+            <a:schemeClr val="dk1"/>
+          </a:fillRef>
+          <a:effectRef idx="0">
+            <a:schemeClr val="dk1"/>
+          </a:effectRef>
+          <a:fontRef idx="minor">
+            <a:schemeClr val="tx1"/>
+          </a:fontRef>
+        </p:style>
+      </p:cxnSp>
+      <p:cxnSp>
+        <p:nvCxnSpPr>
+          <p:cNvPr id="10" name="Straight Connector 9">
+            <a:extLst>
+              <a:ext uri="{FF2B5EF4-FFF2-40B4-BE49-F238E27FC236}">
+                <a16:creationId xmlns:a16="http://schemas.microsoft.com/office/drawing/2014/main" id="{FC6BC3FE-BD14-D58A-A62F-FC6B4BDC75CD}"/>
+              </a:ext>
+            </a:extLst>
+          </p:cNvPr>
+          <p:cNvCxnSpPr>
+            <a:cxnSpLocks/>
+          </p:cNvCxnSpPr>
+          <p:nvPr/>
+        </p:nvCxnSpPr>
+        <p:spPr>
+          <a:xfrm flipV="1">
+            <a:off x="1567542" y="6168571"/>
+            <a:ext cx="10029372" cy="101600"/>
+          </a:xfrm>
+          <a:prstGeom prst="line">
+            <a:avLst/>
+          </a:prstGeom>
+        </p:spPr>
+        <p:style>
+          <a:lnRef idx="1">
+            <a:schemeClr val="dk1"/>
+          </a:lnRef>
+          <a:fillRef idx="0">
+            <a:schemeClr val="dk1"/>
+          </a:fillRef>
+          <a:effectRef idx="0">
+            <a:schemeClr val="dk1"/>
+          </a:effectRef>
+          <a:fontRef idx="minor">
+            <a:schemeClr val="tx1"/>
+          </a:fontRef>
+        </p:style>
+      </p:cxnSp>
+      <p:cxnSp>
+        <p:nvCxnSpPr>
+          <p:cNvPr id="12" name="Straight Connector 11">
+            <a:extLst>
+              <a:ext uri="{FF2B5EF4-FFF2-40B4-BE49-F238E27FC236}">
+                <a16:creationId xmlns:a16="http://schemas.microsoft.com/office/drawing/2014/main" id="{FF7730C5-B2D2-EC9C-5F62-B15A92E83A72}"/>
+              </a:ext>
+            </a:extLst>
+          </p:cNvPr>
+          <p:cNvCxnSpPr>
+            <a:cxnSpLocks/>
+          </p:cNvCxnSpPr>
+          <p:nvPr/>
+        </p:nvCxnSpPr>
+        <p:spPr>
+          <a:xfrm>
+            <a:off x="8418286" y="3004457"/>
+            <a:ext cx="0" cy="3164114"/>
+          </a:xfrm>
+          <a:prstGeom prst="line">
+            <a:avLst/>
+          </a:prstGeom>
+        </p:spPr>
+        <p:style>
+          <a:lnRef idx="1">
+            <a:schemeClr val="accent1"/>
+          </a:lnRef>
+          <a:fillRef idx="0">
+            <a:schemeClr val="accent1"/>
+          </a:fillRef>
+          <a:effectRef idx="0">
+            <a:schemeClr val="accent1"/>
+          </a:effectRef>
+          <a:fontRef idx="minor">
+            <a:schemeClr val="tx1"/>
+          </a:fontRef>
+        </p:style>
+      </p:cxnSp>
+      <p:sp>
+        <p:nvSpPr>
+          <p:cNvPr id="18" name="TextBox 17">
+            <a:extLst>
+              <a:ext uri="{FF2B5EF4-FFF2-40B4-BE49-F238E27FC236}">
+                <a16:creationId xmlns:a16="http://schemas.microsoft.com/office/drawing/2014/main" id="{D0F89C02-40EE-1C47-8885-66C8F1FFBA4B}"/>
+              </a:ext>
+            </a:extLst>
+          </p:cNvPr>
+          <p:cNvSpPr txBox="1"/>
+          <p:nvPr/>
+        </p:nvSpPr>
+        <p:spPr>
+          <a:xfrm>
+            <a:off x="1828800" y="1536407"/>
+            <a:ext cx="1892249" cy="584775"/>
+          </a:xfrm>
+          <a:prstGeom prst="rect">
+            <a:avLst/>
+          </a:prstGeom>
+          <a:noFill/>
+        </p:spPr>
+        <p:txBody>
+          <a:bodyPr wrap="none" rtlCol="0">
+            <a:spAutoFit/>
+          </a:bodyPr>
+          <a:lstStyle/>
+          <a:p>
+            <a:r>
+              <a:rPr lang="en-US" sz="3200" dirty="0"/>
+              <a:t>Site Name</a:t>
+            </a:r>
+          </a:p>
+        </p:txBody>
+      </p:sp>
+      <p:sp>
+        <p:nvSpPr>
+          <p:cNvPr id="19" name="TextBox 18">
+            <a:extLst>
+              <a:ext uri="{FF2B5EF4-FFF2-40B4-BE49-F238E27FC236}">
+                <a16:creationId xmlns:a16="http://schemas.microsoft.com/office/drawing/2014/main" id="{8B74372A-C3AC-16BC-2675-87806076C98F}"/>
+              </a:ext>
+            </a:extLst>
+          </p:cNvPr>
+          <p:cNvSpPr txBox="1"/>
+          <p:nvPr/>
+        </p:nvSpPr>
+        <p:spPr>
+          <a:xfrm>
+            <a:off x="1828800" y="2620766"/>
+            <a:ext cx="4946482" cy="400110"/>
+          </a:xfrm>
+          <a:prstGeom prst="rect">
+            <a:avLst/>
+          </a:prstGeom>
+          <a:noFill/>
+        </p:spPr>
+        <p:txBody>
+          <a:bodyPr wrap="none" rtlCol="0">
+            <a:spAutoFit/>
+          </a:bodyPr>
+          <a:lstStyle/>
+          <a:p>
+            <a:r>
+              <a:rPr lang="en-US" sz="2000" dirty="0"/>
+              <a:t>Home | About Us |Gallery | Contact Us | FAQ</a:t>
+            </a:r>
+          </a:p>
+        </p:txBody>
+      </p:sp>
+      <p:sp>
+        <p:nvSpPr>
+          <p:cNvPr id="20" name="TextBox 19">
+            <a:extLst>
+              <a:ext uri="{FF2B5EF4-FFF2-40B4-BE49-F238E27FC236}">
+                <a16:creationId xmlns:a16="http://schemas.microsoft.com/office/drawing/2014/main" id="{B6A68445-E08A-75B2-B7BF-D1B4329FF2FA}"/>
+              </a:ext>
+            </a:extLst>
+          </p:cNvPr>
+          <p:cNvSpPr txBox="1"/>
+          <p:nvPr/>
+        </p:nvSpPr>
+        <p:spPr>
+          <a:xfrm>
+            <a:off x="1828801" y="3089196"/>
+            <a:ext cx="6183078" cy="3416320"/>
+          </a:xfrm>
+          <a:prstGeom prst="rect">
+            <a:avLst/>
+          </a:prstGeom>
+          <a:noFill/>
+        </p:spPr>
+        <p:txBody>
+          <a:bodyPr wrap="square" rtlCol="0">
+            <a:spAutoFit/>
+          </a:bodyPr>
+          <a:lstStyle/>
+          <a:p>
+            <a:r>
+              <a:rPr lang="en-US" dirty="0"/>
+              <a:t>Welcome to our Website</a:t>
+            </a:r>
+          </a:p>
+          <a:p>
+            <a:endParaRPr lang="en-US" dirty="0"/>
+          </a:p>
+          <a:p>
+            <a:r>
+              <a:rPr lang="en-US" dirty="0"/>
+              <a:t>Las;kdl;askdlaskld;ksal;dkl;askdl;askdl;ksadl;Las;kdl;askdlaskld;ksal;dkl;askdl;askdl;ksadl;Las;kdl;askdlaskld;ksal;dkl;askdl;askdl;ksadl;Las;kdl;askdlaskld;ksal;dkl;askdl;askdl;ksadl;Las;kdl;askdlaskld;ksal;dkl;askdl;askdl;ksadl;Las;kdl;askdlaskld;ksal;dkl;askdl;askdl;ksadl;</a:t>
+            </a:r>
+          </a:p>
+          <a:p>
+            <a:endParaRPr lang="en-US" dirty="0"/>
+          </a:p>
+          <a:p>
+            <a:r>
+              <a:rPr lang="en-US" dirty="0"/>
+              <a:t>Las;kdl;askdlaskld;ksal;dkl;askdl;askdl;ksadl;Las;kdl;askdlaskld;ksal;dkl;askdl;askdl;ksadl;Las;kdl;askdlaskld;ksal;dkl;askdl;askdl;ksadl;Las;kdl;askdlaskld;ksal;dkl;askdl;askdl;ksadl;</a:t>
+            </a:r>
+          </a:p>
+          <a:p>
+            <a:endParaRPr lang="en-US" dirty="0"/>
+          </a:p>
+        </p:txBody>
+      </p:sp>
+      <p:sp>
+        <p:nvSpPr>
+          <p:cNvPr id="21" name="TextBox 20">
+            <a:extLst>
+              <a:ext uri="{FF2B5EF4-FFF2-40B4-BE49-F238E27FC236}">
+                <a16:creationId xmlns:a16="http://schemas.microsoft.com/office/drawing/2014/main" id="{61820BB7-428E-983E-D03A-1ECD94445F21}"/>
+              </a:ext>
+            </a:extLst>
+          </p:cNvPr>
+          <p:cNvSpPr txBox="1"/>
+          <p:nvPr/>
+        </p:nvSpPr>
+        <p:spPr>
+          <a:xfrm>
+            <a:off x="8610491" y="2940989"/>
+            <a:ext cx="1151213" cy="2325893"/>
+          </a:xfrm>
+          <a:prstGeom prst="rect">
+            <a:avLst/>
+          </a:prstGeom>
+          <a:noFill/>
+        </p:spPr>
+        <p:txBody>
+          <a:bodyPr wrap="none" rtlCol="0">
+            <a:spAutoFit/>
+          </a:bodyPr>
+          <a:lstStyle/>
+          <a:p>
+            <a:pPr marL="285750" indent="-285750">
+              <a:lnSpc>
+                <a:spcPct val="250000"/>
+              </a:lnSpc>
+              <a:buFont typeface="Wingdings" panose="05000000000000000000" pitchFamily="2" charset="2"/>
+              <a:buChar char="v"/>
+            </a:pPr>
+            <a:r>
+              <a:rPr lang="en-US" sz="1200" dirty="0"/>
+              <a:t>Home </a:t>
+            </a:r>
+          </a:p>
+          <a:p>
+            <a:pPr marL="285750" indent="-285750">
+              <a:lnSpc>
+                <a:spcPct val="250000"/>
+              </a:lnSpc>
+              <a:buFont typeface="Wingdings" panose="05000000000000000000" pitchFamily="2" charset="2"/>
+              <a:buChar char="v"/>
+            </a:pPr>
+            <a:r>
+              <a:rPr lang="en-US" sz="1200" dirty="0"/>
+              <a:t>About Us</a:t>
+            </a:r>
+          </a:p>
+          <a:p>
+            <a:pPr marL="285750" indent="-285750">
+              <a:lnSpc>
+                <a:spcPct val="250000"/>
+              </a:lnSpc>
+              <a:buFont typeface="Wingdings" panose="05000000000000000000" pitchFamily="2" charset="2"/>
+              <a:buChar char="v"/>
+            </a:pPr>
+            <a:r>
+              <a:rPr lang="en-US" sz="1200" dirty="0"/>
+              <a:t>Gallery</a:t>
+            </a:r>
+          </a:p>
+          <a:p>
+            <a:pPr marL="285750" indent="-285750">
+              <a:lnSpc>
+                <a:spcPct val="250000"/>
+              </a:lnSpc>
+              <a:buFont typeface="Wingdings" panose="05000000000000000000" pitchFamily="2" charset="2"/>
+              <a:buChar char="v"/>
+            </a:pPr>
+            <a:r>
+              <a:rPr lang="en-US" sz="1200" dirty="0"/>
+              <a:t>Contact Us</a:t>
+            </a:r>
+          </a:p>
+          <a:p>
+            <a:pPr marL="285750" indent="-285750">
+              <a:lnSpc>
+                <a:spcPct val="250000"/>
+              </a:lnSpc>
+              <a:buFont typeface="Wingdings" panose="05000000000000000000" pitchFamily="2" charset="2"/>
+              <a:buChar char="v"/>
+            </a:pPr>
+            <a:r>
+              <a:rPr lang="en-US" sz="1200" dirty="0"/>
+              <a:t>FAQ</a:t>
+            </a:r>
+          </a:p>
+        </p:txBody>
+      </p:sp>
+      <p:sp>
+        <p:nvSpPr>
+          <p:cNvPr id="22" name="TextBox 21">
+            <a:extLst>
+              <a:ext uri="{FF2B5EF4-FFF2-40B4-BE49-F238E27FC236}">
+                <a16:creationId xmlns:a16="http://schemas.microsoft.com/office/drawing/2014/main" id="{70AA1041-2EB5-7F09-CCA1-C12DA293BD7B}"/>
+              </a:ext>
+            </a:extLst>
+          </p:cNvPr>
+          <p:cNvSpPr txBox="1"/>
+          <p:nvPr/>
+        </p:nvSpPr>
+        <p:spPr>
+          <a:xfrm>
+            <a:off x="1787953" y="6315616"/>
+            <a:ext cx="2174313" cy="307777"/>
+          </a:xfrm>
+          <a:prstGeom prst="rect">
+            <a:avLst/>
+          </a:prstGeom>
+          <a:noFill/>
+        </p:spPr>
+        <p:txBody>
+          <a:bodyPr wrap="none" rtlCol="0">
+            <a:spAutoFit/>
+          </a:bodyPr>
+          <a:lstStyle/>
+          <a:p>
+            <a:r>
+              <a:rPr lang="en-US" sz="1400" dirty="0"/>
+              <a:t>Copyright sitename @2024</a:t>
+            </a:r>
+          </a:p>
+        </p:txBody>
+      </p:sp>
+    </p:spTree>
+    <p:extLst>
+      <p:ext uri="{BB962C8B-B14F-4D97-AF65-F5344CB8AC3E}">
+        <p14:creationId xmlns:p14="http://schemas.microsoft.com/office/powerpoint/2010/main" val="3078461063"/>
+      </p:ext>
+    </p:extLst>
+  </p:cSld>
+  <p:clrMapOvr>
+    <a:masterClrMapping/>
+  </p:clrMapOvr>
+</p:sld>
+</file>
+
 <file path=ppt/slides/slide3.xml><?xml version="1.0" encoding="utf-8"?>
 <p:sld xmlns:a="http://schemas.openxmlformats.org/drawingml/2006/main" xmlns:r="http://schemas.openxmlformats.org/officeDocument/2006/relationships" xmlns:p="http://schemas.openxmlformats.org/presentationml/2006/main">
   <p:cSld>

--- a/HTML.pptx
+++ b/HTML.pptx
@@ -29,6 +29,10 @@
     <p:sldId id="277" r:id="rId23"/>
     <p:sldId id="278" r:id="rId24"/>
     <p:sldId id="279" r:id="rId25"/>
+    <p:sldId id="280" r:id="rId26"/>
+    <p:sldId id="281" r:id="rId27"/>
+    <p:sldId id="282" r:id="rId28"/>
+    <p:sldId id="283" r:id="rId29"/>
   </p:sldIdLst>
   <p:sldSz cx="12192000" cy="6858000"/>
   <p:notesSz cx="6858000" cy="9144000"/>
@@ -282,7 +286,7 @@
           <a:p>
             <a:fld id="{B0277530-20B6-43B6-9066-60FB7ABFE3D9}" type="datetimeFigureOut">
               <a:rPr lang="en-US" smtClean="0"/>
-              <a:t>6/14/2024</a:t>
+              <a:t>6/18/2024</a:t>
             </a:fld>
             <a:endParaRPr lang="en-US"/>
           </a:p>
@@ -480,7 +484,7 @@
           <a:p>
             <a:fld id="{B0277530-20B6-43B6-9066-60FB7ABFE3D9}" type="datetimeFigureOut">
               <a:rPr lang="en-US" smtClean="0"/>
-              <a:t>6/14/2024</a:t>
+              <a:t>6/18/2024</a:t>
             </a:fld>
             <a:endParaRPr lang="en-US"/>
           </a:p>
@@ -688,7 +692,7 @@
           <a:p>
             <a:fld id="{B0277530-20B6-43B6-9066-60FB7ABFE3D9}" type="datetimeFigureOut">
               <a:rPr lang="en-US" smtClean="0"/>
-              <a:t>6/14/2024</a:t>
+              <a:t>6/18/2024</a:t>
             </a:fld>
             <a:endParaRPr lang="en-US"/>
           </a:p>
@@ -886,7 +890,7 @@
           <a:p>
             <a:fld id="{B0277530-20B6-43B6-9066-60FB7ABFE3D9}" type="datetimeFigureOut">
               <a:rPr lang="en-US" smtClean="0"/>
-              <a:t>6/14/2024</a:t>
+              <a:t>6/18/2024</a:t>
             </a:fld>
             <a:endParaRPr lang="en-US"/>
           </a:p>
@@ -1161,7 +1165,7 @@
           <a:p>
             <a:fld id="{B0277530-20B6-43B6-9066-60FB7ABFE3D9}" type="datetimeFigureOut">
               <a:rPr lang="en-US" smtClean="0"/>
-              <a:t>6/14/2024</a:t>
+              <a:t>6/18/2024</a:t>
             </a:fld>
             <a:endParaRPr lang="en-US"/>
           </a:p>
@@ -1426,7 +1430,7 @@
           <a:p>
             <a:fld id="{B0277530-20B6-43B6-9066-60FB7ABFE3D9}" type="datetimeFigureOut">
               <a:rPr lang="en-US" smtClean="0"/>
-              <a:t>6/14/2024</a:t>
+              <a:t>6/18/2024</a:t>
             </a:fld>
             <a:endParaRPr lang="en-US"/>
           </a:p>
@@ -1838,7 +1842,7 @@
           <a:p>
             <a:fld id="{B0277530-20B6-43B6-9066-60FB7ABFE3D9}" type="datetimeFigureOut">
               <a:rPr lang="en-US" smtClean="0"/>
-              <a:t>6/14/2024</a:t>
+              <a:t>6/18/2024</a:t>
             </a:fld>
             <a:endParaRPr lang="en-US"/>
           </a:p>
@@ -1979,7 +1983,7 @@
           <a:p>
             <a:fld id="{B0277530-20B6-43B6-9066-60FB7ABFE3D9}" type="datetimeFigureOut">
               <a:rPr lang="en-US" smtClean="0"/>
-              <a:t>6/14/2024</a:t>
+              <a:t>6/18/2024</a:t>
             </a:fld>
             <a:endParaRPr lang="en-US"/>
           </a:p>
@@ -2092,7 +2096,7 @@
           <a:p>
             <a:fld id="{B0277530-20B6-43B6-9066-60FB7ABFE3D9}" type="datetimeFigureOut">
               <a:rPr lang="en-US" smtClean="0"/>
-              <a:t>6/14/2024</a:t>
+              <a:t>6/18/2024</a:t>
             </a:fld>
             <a:endParaRPr lang="en-US"/>
           </a:p>
@@ -2403,7 +2407,7 @@
           <a:p>
             <a:fld id="{B0277530-20B6-43B6-9066-60FB7ABFE3D9}" type="datetimeFigureOut">
               <a:rPr lang="en-US" smtClean="0"/>
-              <a:t>6/14/2024</a:t>
+              <a:t>6/18/2024</a:t>
             </a:fld>
             <a:endParaRPr lang="en-US"/>
           </a:p>
@@ -2691,7 +2695,7 @@
           <a:p>
             <a:fld id="{B0277530-20B6-43B6-9066-60FB7ABFE3D9}" type="datetimeFigureOut">
               <a:rPr lang="en-US" smtClean="0"/>
-              <a:t>6/14/2024</a:t>
+              <a:t>6/18/2024</a:t>
             </a:fld>
             <a:endParaRPr lang="en-US"/>
           </a:p>
@@ -2932,7 +2936,7 @@
           <a:p>
             <a:fld id="{B0277530-20B6-43B6-9066-60FB7ABFE3D9}" type="datetimeFigureOut">
               <a:rPr lang="en-US" smtClean="0"/>
-              <a:t>6/14/2024</a:t>
+              <a:t>6/18/2024</a:t>
             </a:fld>
             <a:endParaRPr lang="en-US"/>
           </a:p>
@@ -6646,6 +6650,1224 @@
 </p:sld>
 </file>
 
+<file path=ppt/slides/slide25.xml><?xml version="1.0" encoding="utf-8"?>
+<p:sld xmlns:a="http://schemas.openxmlformats.org/drawingml/2006/main" xmlns:r="http://schemas.openxmlformats.org/officeDocument/2006/relationships" xmlns:p="http://schemas.openxmlformats.org/presentationml/2006/main">
+  <p:cSld>
+    <p:spTree>
+      <p:nvGrpSpPr>
+        <p:cNvPr id="1" name=""/>
+        <p:cNvGrpSpPr/>
+        <p:nvPr/>
+      </p:nvGrpSpPr>
+      <p:grpSpPr>
+        <a:xfrm>
+          <a:off x="0" y="0"/>
+          <a:ext cx="0" cy="0"/>
+          <a:chOff x="0" y="0"/>
+          <a:chExt cx="0" cy="0"/>
+        </a:xfrm>
+      </p:grpSpPr>
+      <p:sp>
+        <p:nvSpPr>
+          <p:cNvPr id="2" name="Title 1">
+            <a:extLst>
+              <a:ext uri="{FF2B5EF4-FFF2-40B4-BE49-F238E27FC236}">
+                <a16:creationId xmlns:a16="http://schemas.microsoft.com/office/drawing/2014/main" id="{BA277270-F057-F210-18C8-7E3B07A23C98}"/>
+              </a:ext>
+            </a:extLst>
+          </p:cNvPr>
+          <p:cNvSpPr>
+            <a:spLocks noGrp="1"/>
+          </p:cNvSpPr>
+          <p:nvPr>
+            <p:ph type="title"/>
+          </p:nvPr>
+        </p:nvSpPr>
+        <p:spPr/>
+        <p:txBody>
+          <a:bodyPr/>
+          <a:lstStyle/>
+          <a:p>
+            <a:r>
+              <a:rPr lang="en-US" dirty="0"/>
+              <a:t>Table Tag</a:t>
+            </a:r>
+          </a:p>
+        </p:txBody>
+      </p:sp>
+      <p:sp>
+        <p:nvSpPr>
+          <p:cNvPr id="3" name="Content Placeholder 2">
+            <a:extLst>
+              <a:ext uri="{FF2B5EF4-FFF2-40B4-BE49-F238E27FC236}">
+                <a16:creationId xmlns:a16="http://schemas.microsoft.com/office/drawing/2014/main" id="{0A9C56A4-AE74-8E03-1FC5-FFFE2C7487AC}"/>
+              </a:ext>
+            </a:extLst>
+          </p:cNvPr>
+          <p:cNvSpPr>
+            <a:spLocks noGrp="1"/>
+          </p:cNvSpPr>
+          <p:nvPr>
+            <p:ph idx="1"/>
+          </p:nvPr>
+        </p:nvSpPr>
+        <p:spPr/>
+        <p:txBody>
+          <a:bodyPr/>
+          <a:lstStyle/>
+          <a:p>
+            <a:r>
+              <a:rPr lang="en-US" dirty="0"/>
+              <a:t>Th</a:t>
+            </a:r>
+          </a:p>
+          <a:p>
+            <a:r>
+              <a:rPr lang="en-US" dirty="0" err="1"/>
+              <a:t>Thead</a:t>
+            </a:r>
+            <a:endParaRPr lang="en-US" dirty="0"/>
+          </a:p>
+          <a:p>
+            <a:r>
+              <a:rPr lang="en-US" dirty="0" err="1"/>
+              <a:t>Tbody</a:t>
+            </a:r>
+            <a:endParaRPr lang="en-US" dirty="0"/>
+          </a:p>
+          <a:p>
+            <a:r>
+              <a:rPr lang="en-US" dirty="0" err="1"/>
+              <a:t>Tfoot</a:t>
+            </a:r>
+            <a:endParaRPr lang="en-US" dirty="0"/>
+          </a:p>
+          <a:p>
+            <a:pPr marL="0" indent="0">
+              <a:buNone/>
+            </a:pPr>
+            <a:endParaRPr lang="en-US" dirty="0"/>
+          </a:p>
+        </p:txBody>
+      </p:sp>
+    </p:spTree>
+    <p:extLst>
+      <p:ext uri="{BB962C8B-B14F-4D97-AF65-F5344CB8AC3E}">
+        <p14:creationId xmlns:p14="http://schemas.microsoft.com/office/powerpoint/2010/main" val="3806045098"/>
+      </p:ext>
+    </p:extLst>
+  </p:cSld>
+  <p:clrMapOvr>
+    <a:masterClrMapping/>
+  </p:clrMapOvr>
+</p:sld>
+</file>
+
+<file path=ppt/slides/slide26.xml><?xml version="1.0" encoding="utf-8"?>
+<p:sld xmlns:a="http://schemas.openxmlformats.org/drawingml/2006/main" xmlns:r="http://schemas.openxmlformats.org/officeDocument/2006/relationships" xmlns:p="http://schemas.openxmlformats.org/presentationml/2006/main">
+  <p:cSld>
+    <p:spTree>
+      <p:nvGrpSpPr>
+        <p:cNvPr id="1" name=""/>
+        <p:cNvGrpSpPr/>
+        <p:nvPr/>
+      </p:nvGrpSpPr>
+      <p:grpSpPr>
+        <a:xfrm>
+          <a:off x="0" y="0"/>
+          <a:ext cx="0" cy="0"/>
+          <a:chOff x="0" y="0"/>
+          <a:chExt cx="0" cy="0"/>
+        </a:xfrm>
+      </p:grpSpPr>
+      <p:sp>
+        <p:nvSpPr>
+          <p:cNvPr id="2" name="Title 1">
+            <a:extLst>
+              <a:ext uri="{FF2B5EF4-FFF2-40B4-BE49-F238E27FC236}">
+                <a16:creationId xmlns:a16="http://schemas.microsoft.com/office/drawing/2014/main" id="{CFAE5E2A-2D1D-A4B2-8E08-B225D7911B51}"/>
+              </a:ext>
+            </a:extLst>
+          </p:cNvPr>
+          <p:cNvSpPr>
+            <a:spLocks noGrp="1"/>
+          </p:cNvSpPr>
+          <p:nvPr>
+            <p:ph type="title"/>
+          </p:nvPr>
+        </p:nvSpPr>
+        <p:spPr/>
+        <p:txBody>
+          <a:bodyPr/>
+          <a:lstStyle/>
+          <a:p>
+            <a:r>
+              <a:rPr lang="en-US" dirty="0" err="1"/>
+              <a:t>Iframe</a:t>
+            </a:r>
+            <a:r>
+              <a:rPr lang="en-US" dirty="0"/>
+              <a:t>   Tag</a:t>
+            </a:r>
+          </a:p>
+        </p:txBody>
+      </p:sp>
+      <p:sp>
+        <p:nvSpPr>
+          <p:cNvPr id="3" name="Content Placeholder 2">
+            <a:extLst>
+              <a:ext uri="{FF2B5EF4-FFF2-40B4-BE49-F238E27FC236}">
+                <a16:creationId xmlns:a16="http://schemas.microsoft.com/office/drawing/2014/main" id="{D39627E7-C118-862C-E766-E14BD8DA2083}"/>
+              </a:ext>
+            </a:extLst>
+          </p:cNvPr>
+          <p:cNvSpPr>
+            <a:spLocks noGrp="1"/>
+          </p:cNvSpPr>
+          <p:nvPr>
+            <p:ph idx="1"/>
+          </p:nvPr>
+        </p:nvSpPr>
+        <p:spPr/>
+        <p:txBody>
+          <a:bodyPr/>
+          <a:lstStyle/>
+          <a:p>
+            <a:pPr marL="0" indent="0">
+              <a:buNone/>
+            </a:pPr>
+            <a:r>
+              <a:rPr lang="en-US" dirty="0"/>
+              <a:t>Audio Formats: mp3,Ogg,Wav</a:t>
+            </a:r>
+          </a:p>
+        </p:txBody>
+      </p:sp>
+    </p:spTree>
+    <p:extLst>
+      <p:ext uri="{BB962C8B-B14F-4D97-AF65-F5344CB8AC3E}">
+        <p14:creationId xmlns:p14="http://schemas.microsoft.com/office/powerpoint/2010/main" val="206155028"/>
+      </p:ext>
+    </p:extLst>
+  </p:cSld>
+  <p:clrMapOvr>
+    <a:masterClrMapping/>
+  </p:clrMapOvr>
+</p:sld>
+</file>
+
+<file path=ppt/slides/slide27.xml><?xml version="1.0" encoding="utf-8"?>
+<p:sld xmlns:a="http://schemas.openxmlformats.org/drawingml/2006/main" xmlns:r="http://schemas.openxmlformats.org/officeDocument/2006/relationships" xmlns:p="http://schemas.openxmlformats.org/presentationml/2006/main">
+  <p:cSld>
+    <p:spTree>
+      <p:nvGrpSpPr>
+        <p:cNvPr id="1" name=""/>
+        <p:cNvGrpSpPr/>
+        <p:nvPr/>
+      </p:nvGrpSpPr>
+      <p:grpSpPr>
+        <a:xfrm>
+          <a:off x="0" y="0"/>
+          <a:ext cx="0" cy="0"/>
+          <a:chOff x="0" y="0"/>
+          <a:chExt cx="0" cy="0"/>
+        </a:xfrm>
+      </p:grpSpPr>
+      <p:sp>
+        <p:nvSpPr>
+          <p:cNvPr id="2" name="Title 1">
+            <a:extLst>
+              <a:ext uri="{FF2B5EF4-FFF2-40B4-BE49-F238E27FC236}">
+                <a16:creationId xmlns:a16="http://schemas.microsoft.com/office/drawing/2014/main" id="{406DB954-C178-F4EF-A469-2BB6ED839268}"/>
+              </a:ext>
+            </a:extLst>
+          </p:cNvPr>
+          <p:cNvSpPr>
+            <a:spLocks noGrp="1"/>
+          </p:cNvSpPr>
+          <p:nvPr>
+            <p:ph type="title"/>
+          </p:nvPr>
+        </p:nvSpPr>
+        <p:spPr/>
+        <p:txBody>
+          <a:bodyPr/>
+          <a:lstStyle/>
+          <a:p>
+            <a:r>
+              <a:rPr lang="en-US" dirty="0"/>
+              <a:t>Type of Video Formats</a:t>
+            </a:r>
+          </a:p>
+        </p:txBody>
+      </p:sp>
+      <p:sp>
+        <p:nvSpPr>
+          <p:cNvPr id="3" name="Content Placeholder 2">
+            <a:extLst>
+              <a:ext uri="{FF2B5EF4-FFF2-40B4-BE49-F238E27FC236}">
+                <a16:creationId xmlns:a16="http://schemas.microsoft.com/office/drawing/2014/main" id="{1302BED6-0D02-656C-AB4B-216D4D9D95B5}"/>
+              </a:ext>
+            </a:extLst>
+          </p:cNvPr>
+          <p:cNvSpPr>
+            <a:spLocks noGrp="1"/>
+          </p:cNvSpPr>
+          <p:nvPr>
+            <p:ph idx="1"/>
+          </p:nvPr>
+        </p:nvSpPr>
+        <p:spPr/>
+        <p:txBody>
+          <a:bodyPr/>
+          <a:lstStyle/>
+          <a:p>
+            <a:r>
+              <a:rPr lang="en-US" dirty="0"/>
+              <a:t>MP4</a:t>
+            </a:r>
+          </a:p>
+          <a:p>
+            <a:r>
+              <a:rPr lang="en-US" dirty="0" err="1"/>
+              <a:t>WebM</a:t>
+            </a:r>
+            <a:endParaRPr lang="en-US" dirty="0"/>
+          </a:p>
+          <a:p>
+            <a:r>
+              <a:rPr lang="en-US" dirty="0"/>
+              <a:t>Ogg</a:t>
+            </a:r>
+          </a:p>
+        </p:txBody>
+      </p:sp>
+    </p:spTree>
+    <p:extLst>
+      <p:ext uri="{BB962C8B-B14F-4D97-AF65-F5344CB8AC3E}">
+        <p14:creationId xmlns:p14="http://schemas.microsoft.com/office/powerpoint/2010/main" val="3575273680"/>
+      </p:ext>
+    </p:extLst>
+  </p:cSld>
+  <p:clrMapOvr>
+    <a:masterClrMapping/>
+  </p:clrMapOvr>
+</p:sld>
+</file>
+
+<file path=ppt/slides/slide28.xml><?xml version="1.0" encoding="utf-8"?>
+<p:sld xmlns:a="http://schemas.openxmlformats.org/drawingml/2006/main" xmlns:r="http://schemas.openxmlformats.org/officeDocument/2006/relationships" xmlns:p="http://schemas.openxmlformats.org/presentationml/2006/main">
+  <p:cSld>
+    <p:spTree>
+      <p:nvGrpSpPr>
+        <p:cNvPr id="1" name=""/>
+        <p:cNvGrpSpPr/>
+        <p:nvPr/>
+      </p:nvGrpSpPr>
+      <p:grpSpPr>
+        <a:xfrm>
+          <a:off x="0" y="0"/>
+          <a:ext cx="0" cy="0"/>
+          <a:chOff x="0" y="0"/>
+          <a:chExt cx="0" cy="0"/>
+        </a:xfrm>
+      </p:grpSpPr>
+      <p:sp>
+        <p:nvSpPr>
+          <p:cNvPr id="2" name="Title 1">
+            <a:extLst>
+              <a:ext uri="{FF2B5EF4-FFF2-40B4-BE49-F238E27FC236}">
+                <a16:creationId xmlns:a16="http://schemas.microsoft.com/office/drawing/2014/main" id="{1C7B5F7D-7819-B2EC-7F78-968B3DA261D6}"/>
+              </a:ext>
+            </a:extLst>
+          </p:cNvPr>
+          <p:cNvSpPr>
+            <a:spLocks noGrp="1"/>
+          </p:cNvSpPr>
+          <p:nvPr>
+            <p:ph type="title"/>
+          </p:nvPr>
+        </p:nvSpPr>
+        <p:spPr>
+          <a:xfrm>
+            <a:off x="838200" y="365125"/>
+            <a:ext cx="10515600" cy="6192429"/>
+          </a:xfrm>
+        </p:spPr>
+        <p:txBody>
+          <a:bodyPr/>
+          <a:lstStyle/>
+          <a:p>
+            <a:r>
+              <a:rPr lang="en-US" dirty="0"/>
+              <a:t>Name</a:t>
+            </a:r>
+            <a:br>
+              <a:rPr lang="en-US" dirty="0"/>
+            </a:br>
+            <a:r>
+              <a:rPr lang="en-US" dirty="0"/>
+              <a:t>Password</a:t>
+            </a:r>
+            <a:br>
+              <a:rPr lang="en-US" dirty="0"/>
+            </a:br>
+            <a:r>
+              <a:rPr lang="en-US" dirty="0"/>
+              <a:t>Gender</a:t>
+            </a:r>
+            <a:br>
+              <a:rPr lang="en-US" dirty="0"/>
+            </a:br>
+            <a:r>
+              <a:rPr lang="en-US" dirty="0"/>
+              <a:t>Hobbies</a:t>
+            </a:r>
+            <a:br>
+              <a:rPr lang="en-US" dirty="0"/>
+            </a:br>
+            <a:r>
+              <a:rPr lang="en-US" dirty="0"/>
+              <a:t>Country</a:t>
+            </a:r>
+            <a:br>
+              <a:rPr lang="en-US" dirty="0"/>
+            </a:br>
+            <a:r>
+              <a:rPr lang="en-US" dirty="0"/>
+              <a:t>Message</a:t>
+            </a:r>
+            <a:br>
+              <a:rPr lang="en-US" dirty="0"/>
+            </a:br>
+            <a:br>
+              <a:rPr lang="en-US" dirty="0"/>
+            </a:br>
+            <a:br>
+              <a:rPr lang="en-US" dirty="0"/>
+            </a:br>
+            <a:r>
+              <a:rPr lang="en-US" dirty="0"/>
+              <a:t>Save Reset</a:t>
+            </a:r>
+            <a:br>
+              <a:rPr lang="en-US" dirty="0"/>
+            </a:br>
+            <a:endParaRPr lang="en-US" dirty="0"/>
+          </a:p>
+        </p:txBody>
+      </p:sp>
+      <p:sp>
+        <p:nvSpPr>
+          <p:cNvPr id="4" name="Rectangle 3">
+            <a:extLst>
+              <a:ext uri="{FF2B5EF4-FFF2-40B4-BE49-F238E27FC236}">
+                <a16:creationId xmlns:a16="http://schemas.microsoft.com/office/drawing/2014/main" id="{C87AD2D2-06A5-6F4A-23F9-61D3EBC393C1}"/>
+              </a:ext>
+            </a:extLst>
+          </p:cNvPr>
+          <p:cNvSpPr/>
+          <p:nvPr/>
+        </p:nvSpPr>
+        <p:spPr>
+          <a:xfrm>
+            <a:off x="4775200" y="522514"/>
+            <a:ext cx="4717143" cy="551543"/>
+          </a:xfrm>
+          <a:prstGeom prst="rect">
+            <a:avLst/>
+          </a:prstGeom>
+        </p:spPr>
+        <p:style>
+          <a:lnRef idx="2">
+            <a:schemeClr val="accent6"/>
+          </a:lnRef>
+          <a:fillRef idx="1">
+            <a:schemeClr val="lt1"/>
+          </a:fillRef>
+          <a:effectRef idx="0">
+            <a:schemeClr val="accent6"/>
+          </a:effectRef>
+          <a:fontRef idx="minor">
+            <a:schemeClr val="dk1"/>
+          </a:fontRef>
+        </p:style>
+        <p:txBody>
+          <a:bodyPr rtlCol="0" anchor="ctr"/>
+          <a:lstStyle/>
+          <a:p>
+            <a:pPr algn="ctr"/>
+            <a:endParaRPr lang="en-US"/>
+          </a:p>
+        </p:txBody>
+      </p:sp>
+      <p:sp>
+        <p:nvSpPr>
+          <p:cNvPr id="5" name="Rectangle 4">
+            <a:extLst>
+              <a:ext uri="{FF2B5EF4-FFF2-40B4-BE49-F238E27FC236}">
+                <a16:creationId xmlns:a16="http://schemas.microsoft.com/office/drawing/2014/main" id="{A71025A4-3654-FD30-12A6-06023FFF4E43}"/>
+              </a:ext>
+            </a:extLst>
+          </p:cNvPr>
+          <p:cNvSpPr/>
+          <p:nvPr/>
+        </p:nvSpPr>
+        <p:spPr>
+          <a:xfrm>
+            <a:off x="4775200" y="1103085"/>
+            <a:ext cx="4717143" cy="551543"/>
+          </a:xfrm>
+          <a:prstGeom prst="rect">
+            <a:avLst/>
+          </a:prstGeom>
+        </p:spPr>
+        <p:style>
+          <a:lnRef idx="2">
+            <a:schemeClr val="accent6"/>
+          </a:lnRef>
+          <a:fillRef idx="1">
+            <a:schemeClr val="lt1"/>
+          </a:fillRef>
+          <a:effectRef idx="0">
+            <a:schemeClr val="accent6"/>
+          </a:effectRef>
+          <a:fontRef idx="minor">
+            <a:schemeClr val="dk1"/>
+          </a:fontRef>
+        </p:style>
+        <p:txBody>
+          <a:bodyPr rtlCol="0" anchor="ctr"/>
+          <a:lstStyle/>
+          <a:p>
+            <a:pPr algn="ctr"/>
+            <a:endParaRPr lang="en-US"/>
+          </a:p>
+        </p:txBody>
+      </p:sp>
+      <p:sp>
+        <p:nvSpPr>
+          <p:cNvPr id="6" name="TextBox 5">
+            <a:extLst>
+              <a:ext uri="{FF2B5EF4-FFF2-40B4-BE49-F238E27FC236}">
+                <a16:creationId xmlns:a16="http://schemas.microsoft.com/office/drawing/2014/main" id="{2EBEF4E7-29F2-1F60-9E11-42CF1E943600}"/>
+              </a:ext>
+            </a:extLst>
+          </p:cNvPr>
+          <p:cNvSpPr txBox="1"/>
+          <p:nvPr/>
+        </p:nvSpPr>
+        <p:spPr>
+          <a:xfrm>
+            <a:off x="5457371" y="2162629"/>
+            <a:ext cx="660758" cy="369332"/>
+          </a:xfrm>
+          <a:prstGeom prst="rect">
+            <a:avLst/>
+          </a:prstGeom>
+          <a:noFill/>
+        </p:spPr>
+        <p:txBody>
+          <a:bodyPr wrap="none" rtlCol="0">
+            <a:spAutoFit/>
+          </a:bodyPr>
+          <a:lstStyle/>
+          <a:p>
+            <a:r>
+              <a:rPr lang="en-US" dirty="0"/>
+              <a:t>Male</a:t>
+            </a:r>
+          </a:p>
+        </p:txBody>
+      </p:sp>
+      <p:sp>
+        <p:nvSpPr>
+          <p:cNvPr id="7" name="TextBox 6">
+            <a:extLst>
+              <a:ext uri="{FF2B5EF4-FFF2-40B4-BE49-F238E27FC236}">
+                <a16:creationId xmlns:a16="http://schemas.microsoft.com/office/drawing/2014/main" id="{2B0B54DA-1C33-B8BE-7331-698FBC164800}"/>
+              </a:ext>
+            </a:extLst>
+          </p:cNvPr>
+          <p:cNvSpPr txBox="1"/>
+          <p:nvPr/>
+        </p:nvSpPr>
+        <p:spPr>
+          <a:xfrm>
+            <a:off x="7744827" y="2162629"/>
+            <a:ext cx="865750" cy="369332"/>
+          </a:xfrm>
+          <a:prstGeom prst="rect">
+            <a:avLst/>
+          </a:prstGeom>
+          <a:noFill/>
+        </p:spPr>
+        <p:txBody>
+          <a:bodyPr wrap="none" rtlCol="0">
+            <a:spAutoFit/>
+          </a:bodyPr>
+          <a:lstStyle/>
+          <a:p>
+            <a:r>
+              <a:rPr lang="en-US" dirty="0"/>
+              <a:t>Female</a:t>
+            </a:r>
+          </a:p>
+        </p:txBody>
+      </p:sp>
+      <p:sp>
+        <p:nvSpPr>
+          <p:cNvPr id="8" name="Circle: Hollow 7">
+            <a:extLst>
+              <a:ext uri="{FF2B5EF4-FFF2-40B4-BE49-F238E27FC236}">
+                <a16:creationId xmlns:a16="http://schemas.microsoft.com/office/drawing/2014/main" id="{2B85551A-70E3-7B66-0405-9FAA435D5EC7}"/>
+              </a:ext>
+            </a:extLst>
+          </p:cNvPr>
+          <p:cNvSpPr/>
+          <p:nvPr/>
+        </p:nvSpPr>
+        <p:spPr>
+          <a:xfrm>
+            <a:off x="5050971" y="2162629"/>
+            <a:ext cx="406400" cy="369332"/>
+          </a:xfrm>
+          <a:prstGeom prst="donut">
+            <a:avLst/>
+          </a:prstGeom>
+        </p:spPr>
+        <p:style>
+          <a:lnRef idx="2">
+            <a:schemeClr val="accent6"/>
+          </a:lnRef>
+          <a:fillRef idx="1">
+            <a:schemeClr val="lt1"/>
+          </a:fillRef>
+          <a:effectRef idx="0">
+            <a:schemeClr val="accent6"/>
+          </a:effectRef>
+          <a:fontRef idx="minor">
+            <a:schemeClr val="dk1"/>
+          </a:fontRef>
+        </p:style>
+        <p:txBody>
+          <a:bodyPr rtlCol="0" anchor="ctr"/>
+          <a:lstStyle/>
+          <a:p>
+            <a:pPr algn="ctr"/>
+            <a:endParaRPr lang="en-US">
+              <a:solidFill>
+                <a:schemeClr val="tx1"/>
+              </a:solidFill>
+            </a:endParaRPr>
+          </a:p>
+        </p:txBody>
+      </p:sp>
+      <p:sp>
+        <p:nvSpPr>
+          <p:cNvPr id="9" name="Circle: Hollow 8">
+            <a:extLst>
+              <a:ext uri="{FF2B5EF4-FFF2-40B4-BE49-F238E27FC236}">
+                <a16:creationId xmlns:a16="http://schemas.microsoft.com/office/drawing/2014/main" id="{AA16624B-E414-C894-228E-46FD81210720}"/>
+              </a:ext>
+            </a:extLst>
+          </p:cNvPr>
+          <p:cNvSpPr/>
+          <p:nvPr/>
+        </p:nvSpPr>
+        <p:spPr>
+          <a:xfrm>
+            <a:off x="7338427" y="2129581"/>
+            <a:ext cx="406400" cy="369332"/>
+          </a:xfrm>
+          <a:prstGeom prst="donut">
+            <a:avLst/>
+          </a:prstGeom>
+        </p:spPr>
+        <p:style>
+          <a:lnRef idx="2">
+            <a:schemeClr val="accent6"/>
+          </a:lnRef>
+          <a:fillRef idx="1">
+            <a:schemeClr val="lt1"/>
+          </a:fillRef>
+          <a:effectRef idx="0">
+            <a:schemeClr val="accent6"/>
+          </a:effectRef>
+          <a:fontRef idx="minor">
+            <a:schemeClr val="dk1"/>
+          </a:fontRef>
+        </p:style>
+        <p:txBody>
+          <a:bodyPr rtlCol="0" anchor="ctr"/>
+          <a:lstStyle/>
+          <a:p>
+            <a:pPr algn="ctr"/>
+            <a:endParaRPr lang="en-US">
+              <a:solidFill>
+                <a:schemeClr val="tx1"/>
+              </a:solidFill>
+            </a:endParaRPr>
+          </a:p>
+        </p:txBody>
+      </p:sp>
+      <p:sp>
+        <p:nvSpPr>
+          <p:cNvPr id="10" name="TextBox 9">
+            <a:extLst>
+              <a:ext uri="{FF2B5EF4-FFF2-40B4-BE49-F238E27FC236}">
+                <a16:creationId xmlns:a16="http://schemas.microsoft.com/office/drawing/2014/main" id="{DCF6CEA0-C442-6BAE-9997-4A3F4F2C144D}"/>
+              </a:ext>
+            </a:extLst>
+          </p:cNvPr>
+          <p:cNvSpPr txBox="1"/>
+          <p:nvPr/>
+        </p:nvSpPr>
+        <p:spPr>
+          <a:xfrm>
+            <a:off x="5254171" y="2975429"/>
+            <a:ext cx="939681" cy="369332"/>
+          </a:xfrm>
+          <a:prstGeom prst="rect">
+            <a:avLst/>
+          </a:prstGeom>
+          <a:noFill/>
+        </p:spPr>
+        <p:txBody>
+          <a:bodyPr wrap="none" rtlCol="0">
+            <a:spAutoFit/>
+          </a:bodyPr>
+          <a:lstStyle/>
+          <a:p>
+            <a:r>
+              <a:rPr lang="en-US" dirty="0"/>
+              <a:t>Cooking</a:t>
+            </a:r>
+          </a:p>
+        </p:txBody>
+      </p:sp>
+      <p:sp>
+        <p:nvSpPr>
+          <p:cNvPr id="11" name="TextBox 10">
+            <a:extLst>
+              <a:ext uri="{FF2B5EF4-FFF2-40B4-BE49-F238E27FC236}">
+                <a16:creationId xmlns:a16="http://schemas.microsoft.com/office/drawing/2014/main" id="{F6A04883-7708-FBD8-452F-C94CC89874F3}"/>
+              </a:ext>
+            </a:extLst>
+          </p:cNvPr>
+          <p:cNvSpPr txBox="1"/>
+          <p:nvPr/>
+        </p:nvSpPr>
+        <p:spPr>
+          <a:xfrm>
+            <a:off x="6868586" y="2971522"/>
+            <a:ext cx="744114" cy="369332"/>
+          </a:xfrm>
+          <a:prstGeom prst="rect">
+            <a:avLst/>
+          </a:prstGeom>
+          <a:noFill/>
+        </p:spPr>
+        <p:txBody>
+          <a:bodyPr wrap="none" rtlCol="0">
+            <a:spAutoFit/>
+          </a:bodyPr>
+          <a:lstStyle/>
+          <a:p>
+            <a:r>
+              <a:rPr lang="en-US" dirty="0"/>
+              <a:t>Music</a:t>
+            </a:r>
+          </a:p>
+        </p:txBody>
+      </p:sp>
+      <p:sp>
+        <p:nvSpPr>
+          <p:cNvPr id="12" name="TextBox 11">
+            <a:extLst>
+              <a:ext uri="{FF2B5EF4-FFF2-40B4-BE49-F238E27FC236}">
+                <a16:creationId xmlns:a16="http://schemas.microsoft.com/office/drawing/2014/main" id="{52352EF3-8438-FB74-AC44-4944AB082361}"/>
+              </a:ext>
+            </a:extLst>
+          </p:cNvPr>
+          <p:cNvSpPr txBox="1"/>
+          <p:nvPr/>
+        </p:nvSpPr>
+        <p:spPr>
+          <a:xfrm>
+            <a:off x="8273500" y="2971522"/>
+            <a:ext cx="1550681" cy="369332"/>
+          </a:xfrm>
+          <a:prstGeom prst="rect">
+            <a:avLst/>
+          </a:prstGeom>
+          <a:noFill/>
+        </p:spPr>
+        <p:txBody>
+          <a:bodyPr wrap="none" rtlCol="0">
+            <a:spAutoFit/>
+          </a:bodyPr>
+          <a:lstStyle/>
+          <a:p>
+            <a:r>
+              <a:rPr lang="en-US" dirty="0"/>
+              <a:t>Books Reading</a:t>
+            </a:r>
+          </a:p>
+        </p:txBody>
+      </p:sp>
+      <p:sp>
+        <p:nvSpPr>
+          <p:cNvPr id="13" name="TextBox 12">
+            <a:extLst>
+              <a:ext uri="{FF2B5EF4-FFF2-40B4-BE49-F238E27FC236}">
+                <a16:creationId xmlns:a16="http://schemas.microsoft.com/office/drawing/2014/main" id="{E1639C58-DC61-BAA5-0C78-5F5CDF2A3BFB}"/>
+              </a:ext>
+            </a:extLst>
+          </p:cNvPr>
+          <p:cNvSpPr txBox="1"/>
+          <p:nvPr/>
+        </p:nvSpPr>
+        <p:spPr>
+          <a:xfrm>
+            <a:off x="10463919" y="2988605"/>
+            <a:ext cx="1071640" cy="369332"/>
+          </a:xfrm>
+          <a:prstGeom prst="rect">
+            <a:avLst/>
+          </a:prstGeom>
+          <a:noFill/>
+        </p:spPr>
+        <p:txBody>
+          <a:bodyPr wrap="none" rtlCol="0">
+            <a:spAutoFit/>
+          </a:bodyPr>
+          <a:lstStyle/>
+          <a:p>
+            <a:r>
+              <a:rPr lang="en-US" dirty="0"/>
+              <a:t>Travelling</a:t>
+            </a:r>
+          </a:p>
+        </p:txBody>
+      </p:sp>
+      <p:sp>
+        <p:nvSpPr>
+          <p:cNvPr id="14" name="Rectangle 13">
+            <a:extLst>
+              <a:ext uri="{FF2B5EF4-FFF2-40B4-BE49-F238E27FC236}">
+                <a16:creationId xmlns:a16="http://schemas.microsoft.com/office/drawing/2014/main" id="{31646F19-5FB1-A8B7-9331-2F27C1973FAD}"/>
+              </a:ext>
+            </a:extLst>
+          </p:cNvPr>
+          <p:cNvSpPr/>
+          <p:nvPr/>
+        </p:nvSpPr>
+        <p:spPr>
+          <a:xfrm>
+            <a:off x="4973461" y="2989107"/>
+            <a:ext cx="287996" cy="352249"/>
+          </a:xfrm>
+          <a:prstGeom prst="rect">
+            <a:avLst/>
+          </a:prstGeom>
+        </p:spPr>
+        <p:style>
+          <a:lnRef idx="2">
+            <a:schemeClr val="accent6"/>
+          </a:lnRef>
+          <a:fillRef idx="1">
+            <a:schemeClr val="lt1"/>
+          </a:fillRef>
+          <a:effectRef idx="0">
+            <a:schemeClr val="accent6"/>
+          </a:effectRef>
+          <a:fontRef idx="minor">
+            <a:schemeClr val="dk1"/>
+          </a:fontRef>
+        </p:style>
+        <p:txBody>
+          <a:bodyPr rtlCol="0" anchor="ctr"/>
+          <a:lstStyle/>
+          <a:p>
+            <a:pPr algn="ctr"/>
+            <a:endParaRPr lang="en-US"/>
+          </a:p>
+        </p:txBody>
+      </p:sp>
+      <p:sp>
+        <p:nvSpPr>
+          <p:cNvPr id="15" name="Rectangle 14">
+            <a:extLst>
+              <a:ext uri="{FF2B5EF4-FFF2-40B4-BE49-F238E27FC236}">
+                <a16:creationId xmlns:a16="http://schemas.microsoft.com/office/drawing/2014/main" id="{2A9D768E-A7A4-4DF0-D105-9635C160727D}"/>
+              </a:ext>
+            </a:extLst>
+          </p:cNvPr>
+          <p:cNvSpPr/>
+          <p:nvPr/>
+        </p:nvSpPr>
+        <p:spPr>
+          <a:xfrm>
+            <a:off x="10248494" y="2971522"/>
+            <a:ext cx="287996" cy="352249"/>
+          </a:xfrm>
+          <a:prstGeom prst="rect">
+            <a:avLst/>
+          </a:prstGeom>
+        </p:spPr>
+        <p:style>
+          <a:lnRef idx="2">
+            <a:schemeClr val="accent6"/>
+          </a:lnRef>
+          <a:fillRef idx="1">
+            <a:schemeClr val="lt1"/>
+          </a:fillRef>
+          <a:effectRef idx="0">
+            <a:schemeClr val="accent6"/>
+          </a:effectRef>
+          <a:fontRef idx="minor">
+            <a:schemeClr val="dk1"/>
+          </a:fontRef>
+        </p:style>
+        <p:txBody>
+          <a:bodyPr rtlCol="0" anchor="ctr"/>
+          <a:lstStyle/>
+          <a:p>
+            <a:pPr algn="ctr"/>
+            <a:endParaRPr lang="en-US"/>
+          </a:p>
+        </p:txBody>
+      </p:sp>
+      <p:sp>
+        <p:nvSpPr>
+          <p:cNvPr id="16" name="Rectangle 15">
+            <a:extLst>
+              <a:ext uri="{FF2B5EF4-FFF2-40B4-BE49-F238E27FC236}">
+                <a16:creationId xmlns:a16="http://schemas.microsoft.com/office/drawing/2014/main" id="{2A56A466-6106-872E-291B-B80BB143D417}"/>
+              </a:ext>
+            </a:extLst>
+          </p:cNvPr>
+          <p:cNvSpPr/>
+          <p:nvPr/>
+        </p:nvSpPr>
+        <p:spPr>
+          <a:xfrm>
+            <a:off x="8028730" y="2971522"/>
+            <a:ext cx="287996" cy="352249"/>
+          </a:xfrm>
+          <a:prstGeom prst="rect">
+            <a:avLst/>
+          </a:prstGeom>
+        </p:spPr>
+        <p:style>
+          <a:lnRef idx="2">
+            <a:schemeClr val="accent6"/>
+          </a:lnRef>
+          <a:fillRef idx="1">
+            <a:schemeClr val="lt1"/>
+          </a:fillRef>
+          <a:effectRef idx="0">
+            <a:schemeClr val="accent6"/>
+          </a:effectRef>
+          <a:fontRef idx="minor">
+            <a:schemeClr val="dk1"/>
+          </a:fontRef>
+        </p:style>
+        <p:txBody>
+          <a:bodyPr rtlCol="0" anchor="ctr"/>
+          <a:lstStyle/>
+          <a:p>
+            <a:pPr algn="ctr"/>
+            <a:endParaRPr lang="en-US"/>
+          </a:p>
+        </p:txBody>
+      </p:sp>
+      <p:sp>
+        <p:nvSpPr>
+          <p:cNvPr id="17" name="Rectangle 16">
+            <a:extLst>
+              <a:ext uri="{FF2B5EF4-FFF2-40B4-BE49-F238E27FC236}">
+                <a16:creationId xmlns:a16="http://schemas.microsoft.com/office/drawing/2014/main" id="{F494EE55-D3D4-6A53-B665-613522D0825A}"/>
+              </a:ext>
+            </a:extLst>
+          </p:cNvPr>
+          <p:cNvSpPr/>
+          <p:nvPr/>
+        </p:nvSpPr>
+        <p:spPr>
+          <a:xfrm>
+            <a:off x="6617902" y="2986651"/>
+            <a:ext cx="287996" cy="352249"/>
+          </a:xfrm>
+          <a:prstGeom prst="rect">
+            <a:avLst/>
+          </a:prstGeom>
+        </p:spPr>
+        <p:style>
+          <a:lnRef idx="2">
+            <a:schemeClr val="accent6"/>
+          </a:lnRef>
+          <a:fillRef idx="1">
+            <a:schemeClr val="lt1"/>
+          </a:fillRef>
+          <a:effectRef idx="0">
+            <a:schemeClr val="accent6"/>
+          </a:effectRef>
+          <a:fontRef idx="minor">
+            <a:schemeClr val="dk1"/>
+          </a:fontRef>
+        </p:style>
+        <p:txBody>
+          <a:bodyPr rtlCol="0" anchor="ctr"/>
+          <a:lstStyle/>
+          <a:p>
+            <a:pPr algn="ctr"/>
+            <a:endParaRPr lang="en-US"/>
+          </a:p>
+        </p:txBody>
+      </p:sp>
+      <p:sp>
+        <p:nvSpPr>
+          <p:cNvPr id="18" name="Rectangle 17">
+            <a:extLst>
+              <a:ext uri="{FF2B5EF4-FFF2-40B4-BE49-F238E27FC236}">
+                <a16:creationId xmlns:a16="http://schemas.microsoft.com/office/drawing/2014/main" id="{9628BA86-4145-E6E5-C151-58FB9215832A}"/>
+              </a:ext>
+            </a:extLst>
+          </p:cNvPr>
+          <p:cNvSpPr/>
+          <p:nvPr/>
+        </p:nvSpPr>
+        <p:spPr>
+          <a:xfrm>
+            <a:off x="5050971" y="3585029"/>
+            <a:ext cx="5617029" cy="369332"/>
+          </a:xfrm>
+          <a:prstGeom prst="rect">
+            <a:avLst/>
+          </a:prstGeom>
+        </p:spPr>
+        <p:style>
+          <a:lnRef idx="2">
+            <a:schemeClr val="accent6"/>
+          </a:lnRef>
+          <a:fillRef idx="1">
+            <a:schemeClr val="lt1"/>
+          </a:fillRef>
+          <a:effectRef idx="0">
+            <a:schemeClr val="accent6"/>
+          </a:effectRef>
+          <a:fontRef idx="minor">
+            <a:schemeClr val="dk1"/>
+          </a:fontRef>
+        </p:style>
+        <p:txBody>
+          <a:bodyPr rtlCol="0" anchor="ctr"/>
+          <a:lstStyle/>
+          <a:p>
+            <a:pPr algn="ctr"/>
+            <a:endParaRPr lang="en-US"/>
+          </a:p>
+        </p:txBody>
+      </p:sp>
+      <p:sp>
+        <p:nvSpPr>
+          <p:cNvPr id="19" name="Isosceles Triangle 18">
+            <a:extLst>
+              <a:ext uri="{FF2B5EF4-FFF2-40B4-BE49-F238E27FC236}">
+                <a16:creationId xmlns:a16="http://schemas.microsoft.com/office/drawing/2014/main" id="{9E62B784-8BE1-9698-F5DD-2CA559D9BCB0}"/>
+              </a:ext>
+            </a:extLst>
+          </p:cNvPr>
+          <p:cNvSpPr/>
+          <p:nvPr/>
+        </p:nvSpPr>
+        <p:spPr>
+          <a:xfrm rot="10800000">
+            <a:off x="10159119" y="3585029"/>
+            <a:ext cx="508881" cy="369332"/>
+          </a:xfrm>
+          <a:prstGeom prst="triangle">
+            <a:avLst/>
+          </a:prstGeom>
+        </p:spPr>
+        <p:style>
+          <a:lnRef idx="2">
+            <a:schemeClr val="accent1">
+              <a:shade val="15000"/>
+            </a:schemeClr>
+          </a:lnRef>
+          <a:fillRef idx="1">
+            <a:schemeClr val="accent1"/>
+          </a:fillRef>
+          <a:effectRef idx="0">
+            <a:schemeClr val="accent1"/>
+          </a:effectRef>
+          <a:fontRef idx="minor">
+            <a:schemeClr val="lt1"/>
+          </a:fontRef>
+        </p:style>
+        <p:txBody>
+          <a:bodyPr rtlCol="0" anchor="ctr"/>
+          <a:lstStyle/>
+          <a:p>
+            <a:pPr algn="ctr"/>
+            <a:endParaRPr lang="en-US"/>
+          </a:p>
+        </p:txBody>
+      </p:sp>
+      <p:sp>
+        <p:nvSpPr>
+          <p:cNvPr id="20" name="Rectangle 19">
+            <a:extLst>
+              <a:ext uri="{FF2B5EF4-FFF2-40B4-BE49-F238E27FC236}">
+                <a16:creationId xmlns:a16="http://schemas.microsoft.com/office/drawing/2014/main" id="{00D462D7-FBCB-D035-4438-14B4017D89D2}"/>
+              </a:ext>
+            </a:extLst>
+          </p:cNvPr>
+          <p:cNvSpPr/>
+          <p:nvPr/>
+        </p:nvSpPr>
+        <p:spPr>
+          <a:xfrm>
+            <a:off x="4775200" y="3954361"/>
+            <a:ext cx="6458857" cy="1797504"/>
+          </a:xfrm>
+          <a:prstGeom prst="rect">
+            <a:avLst/>
+          </a:prstGeom>
+        </p:spPr>
+        <p:style>
+          <a:lnRef idx="2">
+            <a:schemeClr val="accent1">
+              <a:shade val="15000"/>
+            </a:schemeClr>
+          </a:lnRef>
+          <a:fillRef idx="1">
+            <a:schemeClr val="accent1"/>
+          </a:fillRef>
+          <a:effectRef idx="0">
+            <a:schemeClr val="accent1"/>
+          </a:effectRef>
+          <a:fontRef idx="minor">
+            <a:schemeClr val="lt1"/>
+          </a:fontRef>
+        </p:style>
+        <p:txBody>
+          <a:bodyPr rtlCol="0" anchor="ctr"/>
+          <a:lstStyle/>
+          <a:p>
+            <a:pPr algn="ctr"/>
+            <a:endParaRPr lang="en-US"/>
+          </a:p>
+        </p:txBody>
+      </p:sp>
+      <p:sp>
+        <p:nvSpPr>
+          <p:cNvPr id="21" name="Flowchart: Alternate Process 20">
+            <a:extLst>
+              <a:ext uri="{FF2B5EF4-FFF2-40B4-BE49-F238E27FC236}">
+                <a16:creationId xmlns:a16="http://schemas.microsoft.com/office/drawing/2014/main" id="{EC889E13-8AEC-1FBF-0B34-7FEC544FA971}"/>
+              </a:ext>
+            </a:extLst>
+          </p:cNvPr>
+          <p:cNvSpPr/>
+          <p:nvPr/>
+        </p:nvSpPr>
+        <p:spPr>
+          <a:xfrm>
+            <a:off x="4973461" y="6052457"/>
+            <a:ext cx="1644441" cy="534125"/>
+          </a:xfrm>
+          <a:prstGeom prst="flowChartAlternateProcess">
+            <a:avLst/>
+          </a:prstGeom>
+        </p:spPr>
+        <p:style>
+          <a:lnRef idx="2">
+            <a:schemeClr val="accent1">
+              <a:shade val="15000"/>
+            </a:schemeClr>
+          </a:lnRef>
+          <a:fillRef idx="1">
+            <a:schemeClr val="accent1"/>
+          </a:fillRef>
+          <a:effectRef idx="0">
+            <a:schemeClr val="accent1"/>
+          </a:effectRef>
+          <a:fontRef idx="minor">
+            <a:schemeClr val="lt1"/>
+          </a:fontRef>
+        </p:style>
+        <p:txBody>
+          <a:bodyPr rtlCol="0" anchor="ctr"/>
+          <a:lstStyle/>
+          <a:p>
+            <a:pPr algn="ctr"/>
+            <a:endParaRPr lang="en-US"/>
+          </a:p>
+        </p:txBody>
+      </p:sp>
+      <p:sp>
+        <p:nvSpPr>
+          <p:cNvPr id="22" name="Flowchart: Alternate Process 21">
+            <a:extLst>
+              <a:ext uri="{FF2B5EF4-FFF2-40B4-BE49-F238E27FC236}">
+                <a16:creationId xmlns:a16="http://schemas.microsoft.com/office/drawing/2014/main" id="{31132A9D-1337-0E29-8662-DCD7855C1FCC}"/>
+              </a:ext>
+            </a:extLst>
+          </p:cNvPr>
+          <p:cNvSpPr/>
+          <p:nvPr/>
+        </p:nvSpPr>
+        <p:spPr>
+          <a:xfrm>
+            <a:off x="8514678" y="5993843"/>
+            <a:ext cx="1644441" cy="534125"/>
+          </a:xfrm>
+          <a:prstGeom prst="flowChartAlternateProcess">
+            <a:avLst/>
+          </a:prstGeom>
+        </p:spPr>
+        <p:style>
+          <a:lnRef idx="2">
+            <a:schemeClr val="accent1">
+              <a:shade val="15000"/>
+            </a:schemeClr>
+          </a:lnRef>
+          <a:fillRef idx="1">
+            <a:schemeClr val="accent1"/>
+          </a:fillRef>
+          <a:effectRef idx="0">
+            <a:schemeClr val="accent1"/>
+          </a:effectRef>
+          <a:fontRef idx="minor">
+            <a:schemeClr val="lt1"/>
+          </a:fontRef>
+        </p:style>
+        <p:txBody>
+          <a:bodyPr rtlCol="0" anchor="ctr"/>
+          <a:lstStyle/>
+          <a:p>
+            <a:pPr algn="ctr"/>
+            <a:endParaRPr lang="en-US"/>
+          </a:p>
+        </p:txBody>
+      </p:sp>
+    </p:spTree>
+    <p:extLst>
+      <p:ext uri="{BB962C8B-B14F-4D97-AF65-F5344CB8AC3E}">
+        <p14:creationId xmlns:p14="http://schemas.microsoft.com/office/powerpoint/2010/main" val="3628276712"/>
+      </p:ext>
+    </p:extLst>
+  </p:cSld>
+  <p:clrMapOvr>
+    <a:masterClrMapping/>
+  </p:clrMapOvr>
+</p:sld>
+</file>
+
 <file path=ppt/slides/slide3.xml><?xml version="1.0" encoding="utf-8"?>
 <p:sld xmlns:a="http://schemas.openxmlformats.org/drawingml/2006/main" xmlns:r="http://schemas.openxmlformats.org/officeDocument/2006/relationships" xmlns:p="http://schemas.openxmlformats.org/presentationml/2006/main">
   <p:cSld>

--- a/HTML.pptx
+++ b/HTML.pptx
@@ -33,6 +33,7 @@
     <p:sldId id="281" r:id="rId27"/>
     <p:sldId id="282" r:id="rId28"/>
     <p:sldId id="283" r:id="rId29"/>
+    <p:sldId id="284" r:id="rId30"/>
   </p:sldIdLst>
   <p:sldSz cx="12192000" cy="6858000"/>
   <p:notesSz cx="6858000" cy="9144000"/>
@@ -286,7 +287,7 @@
           <a:p>
             <a:fld id="{B0277530-20B6-43B6-9066-60FB7ABFE3D9}" type="datetimeFigureOut">
               <a:rPr lang="en-US" smtClean="0"/>
-              <a:t>6/18/2024</a:t>
+              <a:t>6/19/2024</a:t>
             </a:fld>
             <a:endParaRPr lang="en-US"/>
           </a:p>
@@ -484,7 +485,7 @@
           <a:p>
             <a:fld id="{B0277530-20B6-43B6-9066-60FB7ABFE3D9}" type="datetimeFigureOut">
               <a:rPr lang="en-US" smtClean="0"/>
-              <a:t>6/18/2024</a:t>
+              <a:t>6/19/2024</a:t>
             </a:fld>
             <a:endParaRPr lang="en-US"/>
           </a:p>
@@ -692,7 +693,7 @@
           <a:p>
             <a:fld id="{B0277530-20B6-43B6-9066-60FB7ABFE3D9}" type="datetimeFigureOut">
               <a:rPr lang="en-US" smtClean="0"/>
-              <a:t>6/18/2024</a:t>
+              <a:t>6/19/2024</a:t>
             </a:fld>
             <a:endParaRPr lang="en-US"/>
           </a:p>
@@ -890,7 +891,7 @@
           <a:p>
             <a:fld id="{B0277530-20B6-43B6-9066-60FB7ABFE3D9}" type="datetimeFigureOut">
               <a:rPr lang="en-US" smtClean="0"/>
-              <a:t>6/18/2024</a:t>
+              <a:t>6/19/2024</a:t>
             </a:fld>
             <a:endParaRPr lang="en-US"/>
           </a:p>
@@ -1165,7 +1166,7 @@
           <a:p>
             <a:fld id="{B0277530-20B6-43B6-9066-60FB7ABFE3D9}" type="datetimeFigureOut">
               <a:rPr lang="en-US" smtClean="0"/>
-              <a:t>6/18/2024</a:t>
+              <a:t>6/19/2024</a:t>
             </a:fld>
             <a:endParaRPr lang="en-US"/>
           </a:p>
@@ -1430,7 +1431,7 @@
           <a:p>
             <a:fld id="{B0277530-20B6-43B6-9066-60FB7ABFE3D9}" type="datetimeFigureOut">
               <a:rPr lang="en-US" smtClean="0"/>
-              <a:t>6/18/2024</a:t>
+              <a:t>6/19/2024</a:t>
             </a:fld>
             <a:endParaRPr lang="en-US"/>
           </a:p>
@@ -1842,7 +1843,7 @@
           <a:p>
             <a:fld id="{B0277530-20B6-43B6-9066-60FB7ABFE3D9}" type="datetimeFigureOut">
               <a:rPr lang="en-US" smtClean="0"/>
-              <a:t>6/18/2024</a:t>
+              <a:t>6/19/2024</a:t>
             </a:fld>
             <a:endParaRPr lang="en-US"/>
           </a:p>
@@ -1983,7 +1984,7 @@
           <a:p>
             <a:fld id="{B0277530-20B6-43B6-9066-60FB7ABFE3D9}" type="datetimeFigureOut">
               <a:rPr lang="en-US" smtClean="0"/>
-              <a:t>6/18/2024</a:t>
+              <a:t>6/19/2024</a:t>
             </a:fld>
             <a:endParaRPr lang="en-US"/>
           </a:p>
@@ -2096,7 +2097,7 @@
           <a:p>
             <a:fld id="{B0277530-20B6-43B6-9066-60FB7ABFE3D9}" type="datetimeFigureOut">
               <a:rPr lang="en-US" smtClean="0"/>
-              <a:t>6/18/2024</a:t>
+              <a:t>6/19/2024</a:t>
             </a:fld>
             <a:endParaRPr lang="en-US"/>
           </a:p>
@@ -2407,7 +2408,7 @@
           <a:p>
             <a:fld id="{B0277530-20B6-43B6-9066-60FB7ABFE3D9}" type="datetimeFigureOut">
               <a:rPr lang="en-US" smtClean="0"/>
-              <a:t>6/18/2024</a:t>
+              <a:t>6/19/2024</a:t>
             </a:fld>
             <a:endParaRPr lang="en-US"/>
           </a:p>
@@ -2695,7 +2696,7 @@
           <a:p>
             <a:fld id="{B0277530-20B6-43B6-9066-60FB7ABFE3D9}" type="datetimeFigureOut">
               <a:rPr lang="en-US" smtClean="0"/>
-              <a:t>6/18/2024</a:t>
+              <a:t>6/19/2024</a:t>
             </a:fld>
             <a:endParaRPr lang="en-US"/>
           </a:p>
@@ -2936,7 +2937,7 @@
           <a:p>
             <a:fld id="{B0277530-20B6-43B6-9066-60FB7ABFE3D9}" type="datetimeFigureOut">
               <a:rPr lang="en-US" smtClean="0"/>
-              <a:t>6/18/2024</a:t>
+              <a:t>6/19/2024</a:t>
             </a:fld>
             <a:endParaRPr lang="en-US"/>
           </a:p>
@@ -7072,7 +7073,7 @@
         <p:spPr>
           <a:xfrm>
             <a:off x="4775200" y="522514"/>
-            <a:ext cx="4717143" cy="551543"/>
+            <a:ext cx="2563227" cy="551543"/>
           </a:xfrm>
           <a:prstGeom prst="rect">
             <a:avLst/>
@@ -7116,7 +7117,7 @@
         <p:spPr>
           <a:xfrm>
             <a:off x="4775200" y="1103085"/>
-            <a:ext cx="4717143" cy="551543"/>
+            <a:ext cx="2563227" cy="551543"/>
           </a:xfrm>
           <a:prstGeom prst="rect">
             <a:avLst/>
@@ -7159,7 +7160,7 @@
         </p:nvSpPr>
         <p:spPr>
           <a:xfrm>
-            <a:off x="5457371" y="2162629"/>
+            <a:off x="4973461" y="1872806"/>
             <a:ext cx="660758" cy="369332"/>
           </a:xfrm>
           <a:prstGeom prst="rect">
@@ -7194,7 +7195,7 @@
         </p:nvSpPr>
         <p:spPr>
           <a:xfrm>
-            <a:off x="7744827" y="2162629"/>
+            <a:off x="6193852" y="1832264"/>
             <a:ext cx="865750" cy="369332"/>
           </a:xfrm>
           <a:prstGeom prst="rect">
@@ -7229,7 +7230,55 @@
         </p:nvSpPr>
         <p:spPr>
           <a:xfrm>
-            <a:off x="5050971" y="2162629"/>
+            <a:off x="4711059" y="1933319"/>
+            <a:ext cx="287996" cy="317733"/>
+          </a:xfrm>
+          <a:prstGeom prst="donut">
+            <a:avLst/>
+          </a:prstGeom>
+        </p:spPr>
+        <p:style>
+          <a:lnRef idx="2">
+            <a:schemeClr val="accent6"/>
+          </a:lnRef>
+          <a:fillRef idx="1">
+            <a:schemeClr val="lt1"/>
+          </a:fillRef>
+          <a:effectRef idx="0">
+            <a:schemeClr val="accent6"/>
+          </a:effectRef>
+          <a:fontRef idx="minor">
+            <a:schemeClr val="dk1"/>
+          </a:fontRef>
+        </p:style>
+        <p:txBody>
+          <a:bodyPr rtlCol="0" anchor="ctr"/>
+          <a:lstStyle/>
+          <a:p>
+            <a:pPr algn="ctr"/>
+            <a:endParaRPr lang="en-US">
+              <a:solidFill>
+                <a:schemeClr val="tx1"/>
+              </a:solidFill>
+            </a:endParaRPr>
+          </a:p>
+        </p:txBody>
+      </p:sp>
+      <p:sp>
+        <p:nvSpPr>
+          <p:cNvPr id="9" name="Circle: Hollow 8">
+            <a:extLst>
+              <a:ext uri="{FF2B5EF4-FFF2-40B4-BE49-F238E27FC236}">
+                <a16:creationId xmlns:a16="http://schemas.microsoft.com/office/drawing/2014/main" id="{AA16624B-E414-C894-228E-46FD81210720}"/>
+              </a:ext>
+            </a:extLst>
+          </p:cNvPr>
+          <p:cNvSpPr/>
+          <p:nvPr/>
+        </p:nvSpPr>
+        <p:spPr>
+          <a:xfrm>
+            <a:off x="5753766" y="1881720"/>
             <a:ext cx="406400" cy="369332"/>
           </a:xfrm>
           <a:prstGeom prst="donut">
@@ -7265,67 +7314,19 @@
       </p:sp>
       <p:sp>
         <p:nvSpPr>
-          <p:cNvPr id="9" name="Circle: Hollow 8">
-            <a:extLst>
-              <a:ext uri="{FF2B5EF4-FFF2-40B4-BE49-F238E27FC236}">
-                <a16:creationId xmlns:a16="http://schemas.microsoft.com/office/drawing/2014/main" id="{AA16624B-E414-C894-228E-46FD81210720}"/>
-              </a:ext>
-            </a:extLst>
-          </p:cNvPr>
-          <p:cNvSpPr/>
+          <p:cNvPr id="10" name="TextBox 9">
+            <a:extLst>
+              <a:ext uri="{FF2B5EF4-FFF2-40B4-BE49-F238E27FC236}">
+                <a16:creationId xmlns:a16="http://schemas.microsoft.com/office/drawing/2014/main" id="{DCF6CEA0-C442-6BAE-9997-4A3F4F2C144D}"/>
+              </a:ext>
+            </a:extLst>
+          </p:cNvPr>
+          <p:cNvSpPr txBox="1"/>
           <p:nvPr/>
         </p:nvSpPr>
         <p:spPr>
           <a:xfrm>
-            <a:off x="7338427" y="2129581"/>
-            <a:ext cx="406400" cy="369332"/>
-          </a:xfrm>
-          <a:prstGeom prst="donut">
-            <a:avLst/>
-          </a:prstGeom>
-        </p:spPr>
-        <p:style>
-          <a:lnRef idx="2">
-            <a:schemeClr val="accent6"/>
-          </a:lnRef>
-          <a:fillRef idx="1">
-            <a:schemeClr val="lt1"/>
-          </a:fillRef>
-          <a:effectRef idx="0">
-            <a:schemeClr val="accent6"/>
-          </a:effectRef>
-          <a:fontRef idx="minor">
-            <a:schemeClr val="dk1"/>
-          </a:fontRef>
-        </p:style>
-        <p:txBody>
-          <a:bodyPr rtlCol="0" anchor="ctr"/>
-          <a:lstStyle/>
-          <a:p>
-            <a:pPr algn="ctr"/>
-            <a:endParaRPr lang="en-US">
-              <a:solidFill>
-                <a:schemeClr val="tx1"/>
-              </a:solidFill>
-            </a:endParaRPr>
-          </a:p>
-        </p:txBody>
-      </p:sp>
-      <p:sp>
-        <p:nvSpPr>
-          <p:cNvPr id="10" name="TextBox 9">
-            <a:extLst>
-              <a:ext uri="{FF2B5EF4-FFF2-40B4-BE49-F238E27FC236}">
-                <a16:creationId xmlns:a16="http://schemas.microsoft.com/office/drawing/2014/main" id="{DCF6CEA0-C442-6BAE-9997-4A3F4F2C144D}"/>
-              </a:ext>
-            </a:extLst>
-          </p:cNvPr>
-          <p:cNvSpPr txBox="1"/>
-          <p:nvPr/>
-        </p:nvSpPr>
-        <p:spPr>
-          <a:xfrm>
-            <a:off x="5254171" y="2975429"/>
+            <a:off x="5043685" y="2528619"/>
             <a:ext cx="939681" cy="369332"/>
           </a:xfrm>
           <a:prstGeom prst="rect">
@@ -7360,7 +7361,7 @@
         </p:nvSpPr>
         <p:spPr>
           <a:xfrm>
-            <a:off x="6868586" y="2971522"/>
+            <a:off x="6658100" y="2524712"/>
             <a:ext cx="744114" cy="369332"/>
           </a:xfrm>
           <a:prstGeom prst="rect">
@@ -7395,7 +7396,7 @@
         </p:nvSpPr>
         <p:spPr>
           <a:xfrm>
-            <a:off x="8273500" y="2971522"/>
+            <a:off x="5183066" y="3076745"/>
             <a:ext cx="1550681" cy="369332"/>
           </a:xfrm>
           <a:prstGeom prst="rect">
@@ -7430,7 +7431,7 @@
         </p:nvSpPr>
         <p:spPr>
           <a:xfrm>
-            <a:off x="10463919" y="2988605"/>
+            <a:off x="7323665" y="3123798"/>
             <a:ext cx="1071640" cy="369332"/>
           </a:xfrm>
           <a:prstGeom prst="rect">
@@ -7465,7 +7466,7 @@
         </p:nvSpPr>
         <p:spPr>
           <a:xfrm>
-            <a:off x="4973461" y="2989107"/>
+            <a:off x="4762975" y="2542297"/>
             <a:ext cx="287996" cy="352249"/>
           </a:xfrm>
           <a:prstGeom prst="rect">
@@ -7509,7 +7510,7 @@
         </p:nvSpPr>
         <p:spPr>
           <a:xfrm>
-            <a:off x="10248494" y="2971522"/>
+            <a:off x="6809341" y="3163304"/>
             <a:ext cx="287996" cy="352249"/>
           </a:xfrm>
           <a:prstGeom prst="rect">
@@ -7553,7 +7554,7 @@
         </p:nvSpPr>
         <p:spPr>
           <a:xfrm>
-            <a:off x="8028730" y="2971522"/>
+            <a:off x="4829463" y="3046697"/>
             <a:ext cx="287996" cy="352249"/>
           </a:xfrm>
           <a:prstGeom prst="rect">
@@ -7597,7 +7598,7 @@
         </p:nvSpPr>
         <p:spPr>
           <a:xfrm>
-            <a:off x="6617902" y="2986651"/>
+            <a:off x="6407416" y="2539841"/>
             <a:ext cx="287996" cy="352249"/>
           </a:xfrm>
           <a:prstGeom prst="rect">
@@ -7641,8 +7642,8 @@
         </p:nvSpPr>
         <p:spPr>
           <a:xfrm>
-            <a:off x="5050971" y="3585029"/>
-            <a:ext cx="5617029" cy="369332"/>
+            <a:off x="5050972" y="3585029"/>
+            <a:ext cx="3344334" cy="369332"/>
           </a:xfrm>
           <a:prstGeom prst="rect">
             <a:avLst/>
@@ -7685,7 +7686,7 @@
         </p:nvSpPr>
         <p:spPr>
           <a:xfrm rot="10800000">
-            <a:off x="10159119" y="3585029"/>
+            <a:off x="7859485" y="3711308"/>
             <a:ext cx="508881" cy="369332"/>
           </a:xfrm>
           <a:prstGeom prst="triangle">
@@ -7731,8 +7732,8 @@
         </p:nvSpPr>
         <p:spPr>
           <a:xfrm>
-            <a:off x="4775200" y="3954361"/>
-            <a:ext cx="6458857" cy="1797504"/>
+            <a:off x="4775200" y="4410639"/>
+            <a:ext cx="3620105" cy="1341226"/>
           </a:xfrm>
           <a:prstGeom prst="rect">
             <a:avLst/>
@@ -7823,7 +7824,7 @@
         </p:nvSpPr>
         <p:spPr>
           <a:xfrm>
-            <a:off x="8514678" y="5993843"/>
+            <a:off x="7030157" y="5980539"/>
             <a:ext cx="1644441" cy="534125"/>
           </a:xfrm>
           <a:prstGeom prst="flowChartAlternateProcess">
@@ -7855,10 +7856,416 @@
           </a:p>
         </p:txBody>
       </p:sp>
+      <p:sp>
+        <p:nvSpPr>
+          <p:cNvPr id="3" name="TextBox 2">
+            <a:extLst>
+              <a:ext uri="{FF2B5EF4-FFF2-40B4-BE49-F238E27FC236}">
+                <a16:creationId xmlns:a16="http://schemas.microsoft.com/office/drawing/2014/main" id="{8C1EEF58-2715-3A68-A3BC-D5FF79E03F8A}"/>
+              </a:ext>
+            </a:extLst>
+          </p:cNvPr>
+          <p:cNvSpPr txBox="1"/>
+          <p:nvPr/>
+        </p:nvSpPr>
+        <p:spPr>
+          <a:xfrm>
+            <a:off x="8882743" y="613619"/>
+            <a:ext cx="1513043" cy="369332"/>
+          </a:xfrm>
+          <a:prstGeom prst="rect">
+            <a:avLst/>
+          </a:prstGeom>
+          <a:noFill/>
+        </p:spPr>
+        <p:txBody>
+          <a:bodyPr wrap="none" rtlCol="0">
+            <a:spAutoFit/>
+          </a:bodyPr>
+          <a:lstStyle/>
+          <a:p>
+            <a:r>
+              <a:rPr lang="en-US" dirty="0"/>
+              <a:t>Input Text Box</a:t>
+            </a:r>
+          </a:p>
+        </p:txBody>
+      </p:sp>
+      <p:sp>
+        <p:nvSpPr>
+          <p:cNvPr id="23" name="TextBox 22">
+            <a:extLst>
+              <a:ext uri="{FF2B5EF4-FFF2-40B4-BE49-F238E27FC236}">
+                <a16:creationId xmlns:a16="http://schemas.microsoft.com/office/drawing/2014/main" id="{C8C1CE0A-7F61-20BB-60C9-72435CA69455}"/>
+              </a:ext>
+            </a:extLst>
+          </p:cNvPr>
+          <p:cNvSpPr txBox="1"/>
+          <p:nvPr/>
+        </p:nvSpPr>
+        <p:spPr>
+          <a:xfrm>
+            <a:off x="8882742" y="1074057"/>
+            <a:ext cx="2018694" cy="369332"/>
+          </a:xfrm>
+          <a:prstGeom prst="rect">
+            <a:avLst/>
+          </a:prstGeom>
+          <a:noFill/>
+        </p:spPr>
+        <p:txBody>
+          <a:bodyPr wrap="none" rtlCol="0">
+            <a:spAutoFit/>
+          </a:bodyPr>
+          <a:lstStyle/>
+          <a:p>
+            <a:r>
+              <a:rPr lang="en-US" dirty="0"/>
+              <a:t>Input Password Box</a:t>
+            </a:r>
+          </a:p>
+        </p:txBody>
+      </p:sp>
+      <p:sp>
+        <p:nvSpPr>
+          <p:cNvPr id="24" name="TextBox 23">
+            <a:extLst>
+              <a:ext uri="{FF2B5EF4-FFF2-40B4-BE49-F238E27FC236}">
+                <a16:creationId xmlns:a16="http://schemas.microsoft.com/office/drawing/2014/main" id="{242BAD40-7EAD-8C61-81F0-2BAE2966F636}"/>
+              </a:ext>
+            </a:extLst>
+          </p:cNvPr>
+          <p:cNvSpPr txBox="1"/>
+          <p:nvPr/>
+        </p:nvSpPr>
+        <p:spPr>
+          <a:xfrm>
+            <a:off x="8871914" y="1803978"/>
+            <a:ext cx="1958485" cy="369332"/>
+          </a:xfrm>
+          <a:prstGeom prst="rect">
+            <a:avLst/>
+          </a:prstGeom>
+          <a:noFill/>
+        </p:spPr>
+        <p:txBody>
+          <a:bodyPr wrap="none" rtlCol="0">
+            <a:spAutoFit/>
+          </a:bodyPr>
+          <a:lstStyle/>
+          <a:p>
+            <a:r>
+              <a:rPr lang="en-US" dirty="0"/>
+              <a:t>Input Radio button</a:t>
+            </a:r>
+          </a:p>
+        </p:txBody>
+      </p:sp>
+      <p:sp>
+        <p:nvSpPr>
+          <p:cNvPr id="25" name="TextBox 24">
+            <a:extLst>
+              <a:ext uri="{FF2B5EF4-FFF2-40B4-BE49-F238E27FC236}">
+                <a16:creationId xmlns:a16="http://schemas.microsoft.com/office/drawing/2014/main" id="{70EC3AD4-A0FC-587F-E877-F5E271C76D5A}"/>
+              </a:ext>
+            </a:extLst>
+          </p:cNvPr>
+          <p:cNvSpPr txBox="1"/>
+          <p:nvPr/>
+        </p:nvSpPr>
+        <p:spPr>
+          <a:xfrm>
+            <a:off x="8975746" y="2673532"/>
+            <a:ext cx="1638910" cy="369332"/>
+          </a:xfrm>
+          <a:prstGeom prst="rect">
+            <a:avLst/>
+          </a:prstGeom>
+          <a:noFill/>
+        </p:spPr>
+        <p:txBody>
+          <a:bodyPr wrap="none" rtlCol="0">
+            <a:spAutoFit/>
+          </a:bodyPr>
+          <a:lstStyle/>
+          <a:p>
+            <a:r>
+              <a:rPr lang="en-US" dirty="0"/>
+              <a:t>Input Checkbox</a:t>
+            </a:r>
+          </a:p>
+        </p:txBody>
+      </p:sp>
+      <p:sp>
+        <p:nvSpPr>
+          <p:cNvPr id="26" name="TextBox 25">
+            <a:extLst>
+              <a:ext uri="{FF2B5EF4-FFF2-40B4-BE49-F238E27FC236}">
+                <a16:creationId xmlns:a16="http://schemas.microsoft.com/office/drawing/2014/main" id="{B971DA8C-846D-2D6E-DD45-C36F27D47F01}"/>
+              </a:ext>
+            </a:extLst>
+          </p:cNvPr>
+          <p:cNvSpPr txBox="1"/>
+          <p:nvPr/>
+        </p:nvSpPr>
+        <p:spPr>
+          <a:xfrm>
+            <a:off x="9122545" y="3602043"/>
+            <a:ext cx="1143583" cy="369332"/>
+          </a:xfrm>
+          <a:prstGeom prst="rect">
+            <a:avLst/>
+          </a:prstGeom>
+          <a:noFill/>
+        </p:spPr>
+        <p:txBody>
+          <a:bodyPr wrap="none" rtlCol="0">
+            <a:spAutoFit/>
+          </a:bodyPr>
+          <a:lstStyle/>
+          <a:p>
+            <a:r>
+              <a:rPr lang="en-US" dirty="0"/>
+              <a:t>Select Box</a:t>
+            </a:r>
+          </a:p>
+        </p:txBody>
+      </p:sp>
+      <p:sp>
+        <p:nvSpPr>
+          <p:cNvPr id="27" name="TextBox 26">
+            <a:extLst>
+              <a:ext uri="{FF2B5EF4-FFF2-40B4-BE49-F238E27FC236}">
+                <a16:creationId xmlns:a16="http://schemas.microsoft.com/office/drawing/2014/main" id="{7FA0909D-07B3-F5C2-EC97-C503041301E2}"/>
+              </a:ext>
+            </a:extLst>
+          </p:cNvPr>
+          <p:cNvSpPr txBox="1"/>
+          <p:nvPr/>
+        </p:nvSpPr>
+        <p:spPr>
+          <a:xfrm>
+            <a:off x="9122545" y="4895132"/>
+            <a:ext cx="1054456" cy="369332"/>
+          </a:xfrm>
+          <a:prstGeom prst="rect">
+            <a:avLst/>
+          </a:prstGeom>
+          <a:noFill/>
+        </p:spPr>
+        <p:txBody>
+          <a:bodyPr wrap="none" rtlCol="0">
+            <a:spAutoFit/>
+          </a:bodyPr>
+          <a:lstStyle/>
+          <a:p>
+            <a:r>
+              <a:rPr lang="en-US" dirty="0"/>
+              <a:t>Text Area</a:t>
+            </a:r>
+          </a:p>
+        </p:txBody>
+      </p:sp>
+      <p:sp>
+        <p:nvSpPr>
+          <p:cNvPr id="28" name="TextBox 27">
+            <a:extLst>
+              <a:ext uri="{FF2B5EF4-FFF2-40B4-BE49-F238E27FC236}">
+                <a16:creationId xmlns:a16="http://schemas.microsoft.com/office/drawing/2014/main" id="{E751E8B1-ED49-9351-79F3-5063E05E7FC4}"/>
+              </a:ext>
+            </a:extLst>
+          </p:cNvPr>
+          <p:cNvSpPr txBox="1"/>
+          <p:nvPr/>
+        </p:nvSpPr>
+        <p:spPr>
+          <a:xfrm>
+            <a:off x="9267973" y="6059715"/>
+            <a:ext cx="2093137" cy="646331"/>
+          </a:xfrm>
+          <a:prstGeom prst="rect">
+            <a:avLst/>
+          </a:prstGeom>
+          <a:noFill/>
+        </p:spPr>
+        <p:txBody>
+          <a:bodyPr wrap="none" rtlCol="0">
+            <a:spAutoFit/>
+          </a:bodyPr>
+          <a:lstStyle/>
+          <a:p>
+            <a:r>
+              <a:rPr lang="en-US" dirty="0"/>
+              <a:t>Input Submit Button</a:t>
+            </a:r>
+          </a:p>
+          <a:p>
+            <a:r>
+              <a:rPr lang="en-US" dirty="0"/>
+              <a:t>Input Reset Button</a:t>
+            </a:r>
+          </a:p>
+        </p:txBody>
+      </p:sp>
     </p:spTree>
     <p:extLst>
       <p:ext uri="{BB962C8B-B14F-4D97-AF65-F5344CB8AC3E}">
         <p14:creationId xmlns:p14="http://schemas.microsoft.com/office/powerpoint/2010/main" val="3628276712"/>
+      </p:ext>
+    </p:extLst>
+  </p:cSld>
+  <p:clrMapOvr>
+    <a:masterClrMapping/>
+  </p:clrMapOvr>
+</p:sld>
+</file>
+
+<file path=ppt/slides/slide29.xml><?xml version="1.0" encoding="utf-8"?>
+<p:sld xmlns:a="http://schemas.openxmlformats.org/drawingml/2006/main" xmlns:r="http://schemas.openxmlformats.org/officeDocument/2006/relationships" xmlns:p="http://schemas.openxmlformats.org/presentationml/2006/main">
+  <p:cSld>
+    <p:spTree>
+      <p:nvGrpSpPr>
+        <p:cNvPr id="1" name=""/>
+        <p:cNvGrpSpPr/>
+        <p:nvPr/>
+      </p:nvGrpSpPr>
+      <p:grpSpPr>
+        <a:xfrm>
+          <a:off x="0" y="0"/>
+          <a:ext cx="0" cy="0"/>
+          <a:chOff x="0" y="0"/>
+          <a:chExt cx="0" cy="0"/>
+        </a:xfrm>
+      </p:grpSpPr>
+      <p:sp>
+        <p:nvSpPr>
+          <p:cNvPr id="2" name="Title 1">
+            <a:extLst>
+              <a:ext uri="{FF2B5EF4-FFF2-40B4-BE49-F238E27FC236}">
+                <a16:creationId xmlns:a16="http://schemas.microsoft.com/office/drawing/2014/main" id="{A092260D-B8E2-619B-6483-22ABC9B77332}"/>
+              </a:ext>
+            </a:extLst>
+          </p:cNvPr>
+          <p:cNvSpPr>
+            <a:spLocks noGrp="1"/>
+          </p:cNvSpPr>
+          <p:nvPr>
+            <p:ph type="title"/>
+          </p:nvPr>
+        </p:nvSpPr>
+        <p:spPr/>
+        <p:txBody>
+          <a:bodyPr/>
+          <a:lstStyle/>
+          <a:p>
+            <a:r>
+              <a:rPr lang="en-US" dirty="0"/>
+              <a:t>HTML 5</a:t>
+            </a:r>
+          </a:p>
+        </p:txBody>
+      </p:sp>
+      <p:sp>
+        <p:nvSpPr>
+          <p:cNvPr id="3" name="Content Placeholder 2">
+            <a:extLst>
+              <a:ext uri="{FF2B5EF4-FFF2-40B4-BE49-F238E27FC236}">
+                <a16:creationId xmlns:a16="http://schemas.microsoft.com/office/drawing/2014/main" id="{18E480B8-E349-DF56-C9F6-49EF3BB28BCE}"/>
+              </a:ext>
+            </a:extLst>
+          </p:cNvPr>
+          <p:cNvSpPr>
+            <a:spLocks noGrp="1"/>
+          </p:cNvSpPr>
+          <p:nvPr>
+            <p:ph idx="1"/>
+          </p:nvPr>
+        </p:nvSpPr>
+        <p:spPr/>
+        <p:txBody>
+          <a:bodyPr numCol="2">
+            <a:normAutofit/>
+          </a:bodyPr>
+          <a:lstStyle/>
+          <a:p>
+            <a:r>
+              <a:rPr lang="en-US" dirty="0"/>
+              <a:t>Color</a:t>
+            </a:r>
+          </a:p>
+          <a:p>
+            <a:r>
+              <a:rPr lang="en-US" dirty="0"/>
+              <a:t>Number</a:t>
+            </a:r>
+          </a:p>
+          <a:p>
+            <a:r>
+              <a:rPr lang="en-US" dirty="0"/>
+              <a:t>Range</a:t>
+            </a:r>
+          </a:p>
+          <a:p>
+            <a:r>
+              <a:rPr lang="en-US" dirty="0"/>
+              <a:t>Date</a:t>
+            </a:r>
+          </a:p>
+          <a:p>
+            <a:r>
+              <a:rPr lang="en-US" dirty="0"/>
+              <a:t>Datetime-local</a:t>
+            </a:r>
+          </a:p>
+          <a:p>
+            <a:r>
+              <a:rPr lang="en-US" dirty="0"/>
+              <a:t>Month</a:t>
+            </a:r>
+          </a:p>
+          <a:p>
+            <a:r>
+              <a:rPr lang="en-US" dirty="0"/>
+              <a:t>Week</a:t>
+            </a:r>
+          </a:p>
+          <a:p>
+            <a:r>
+              <a:rPr lang="en-US" dirty="0"/>
+              <a:t>Time</a:t>
+            </a:r>
+          </a:p>
+          <a:p>
+            <a:r>
+              <a:rPr lang="en-US" dirty="0"/>
+              <a:t>Email</a:t>
+            </a:r>
+          </a:p>
+          <a:p>
+            <a:r>
+              <a:rPr lang="en-US" dirty="0"/>
+              <a:t>Search</a:t>
+            </a:r>
+          </a:p>
+          <a:p>
+            <a:r>
+              <a:rPr lang="en-US" dirty="0"/>
+              <a:t>Tel</a:t>
+            </a:r>
+          </a:p>
+          <a:p>
+            <a:r>
+              <a:rPr lang="en-US" dirty="0" err="1"/>
+              <a:t>url</a:t>
+            </a:r>
+            <a:endParaRPr lang="en-US" dirty="0"/>
+          </a:p>
+        </p:txBody>
+      </p:sp>
+    </p:spTree>
+    <p:extLst>
+      <p:ext uri="{BB962C8B-B14F-4D97-AF65-F5344CB8AC3E}">
+        <p14:creationId xmlns:p14="http://schemas.microsoft.com/office/powerpoint/2010/main" val="3407699553"/>
       </p:ext>
     </p:extLst>
   </p:cSld>
